--- a/google/olivia_help.pptx
+++ b/google/olivia_help.pptx
@@ -1819,10 +1819,24 @@
     <dgm:pt modelId="{FF6C1D2B-4C70-4ADC-9167-0A731686B115}" type="parTrans" cxnId="{3874AA00-1D20-42AD-A555-6FBF79019886}">
       <dgm:prSet/>
       <dgm:spPr/>
+      <dgm:t>
+        <a:bodyPr/>
+        <a:lstStyle/>
+        <a:p>
+          <a:endParaRPr lang="en-PH"/>
+        </a:p>
+      </dgm:t>
     </dgm:pt>
     <dgm:pt modelId="{64F3D272-925A-4C2A-9D8C-326C8A65DE3D}" type="sibTrans" cxnId="{3874AA00-1D20-42AD-A555-6FBF79019886}">
       <dgm:prSet/>
       <dgm:spPr/>
+      <dgm:t>
+        <a:bodyPr/>
+        <a:lstStyle/>
+        <a:p>
+          <a:endParaRPr lang="en-PH"/>
+        </a:p>
+      </dgm:t>
     </dgm:pt>
     <dgm:pt modelId="{C4344EC9-6F89-4250-9CB4-1B93F5DC2463}">
       <dgm:prSet phldr="0" custT="1"/>
@@ -1864,10 +1878,253 @@
     <dgm:pt modelId="{8B0C69E0-3103-4312-88BF-263CDB5D925E}" type="parTrans" cxnId="{D5FEF72A-6748-46B9-95FA-3D905226D5C9}">
       <dgm:prSet/>
       <dgm:spPr/>
+      <dgm:t>
+        <a:bodyPr/>
+        <a:lstStyle/>
+        <a:p>
+          <a:endParaRPr lang="en-PH"/>
+        </a:p>
+      </dgm:t>
     </dgm:pt>
     <dgm:pt modelId="{91DF7C24-0AC8-406E-BB41-E230A25517DF}" type="sibTrans" cxnId="{D5FEF72A-6748-46B9-95FA-3D905226D5C9}">
       <dgm:prSet/>
       <dgm:spPr/>
+      <dgm:t>
+        <a:bodyPr/>
+        <a:lstStyle/>
+        <a:p>
+          <a:endParaRPr lang="en-PH"/>
+        </a:p>
+      </dgm:t>
+    </dgm:pt>
+    <dgm:pt modelId="{1414CB55-05B5-4C02-99F8-14390BFDDBF0}">
+      <dgm:prSet phldr="0" custT="1"/>
+      <dgm:spPr/>
+      <dgm:t>
+        <a:bodyPr/>
+        <a:lstStyle/>
+        <a:p>
+          <a:pPr rtl="0"/>
+          <a:r>
+            <a:rPr lang="en-US" sz="2400" i="0" u="none" dirty="0" err="1">
+              <a:effectLst>
+                <a:outerShdw blurRad="38100" dist="38100" dir="2700000" algn="tl">
+                  <a:srgbClr val="000000">
+                    <a:alpha val="43137"/>
+                  </a:srgbClr>
+                </a:outerShdw>
+              </a:effectLst>
+              <a:latin typeface="+mn-lt"/>
+            </a:rPr>
+            <a:t>olivia</a:t>
+          </a:r>
+          <a:r>
+            <a:rPr lang="en-US" sz="2400" i="0" u="none" dirty="0">
+              <a:effectLst>
+                <a:outerShdw blurRad="38100" dist="38100" dir="2700000" algn="tl">
+                  <a:srgbClr val="000000">
+                    <a:alpha val="43137"/>
+                  </a:srgbClr>
+                </a:outerShdw>
+              </a:effectLst>
+              <a:latin typeface="+mn-lt"/>
+            </a:rPr>
+            <a:t> checklist</a:t>
+          </a:r>
+        </a:p>
+      </dgm:t>
+    </dgm:pt>
+    <dgm:pt modelId="{507D26F8-BC79-476E-9AE6-796ADB589A9E}" type="parTrans" cxnId="{C61566CE-2605-45D6-955E-CB4E50132391}">
+      <dgm:prSet/>
+      <dgm:spPr/>
+      <dgm:t>
+        <a:bodyPr/>
+        <a:lstStyle/>
+        <a:p>
+          <a:endParaRPr lang="en-PH"/>
+        </a:p>
+      </dgm:t>
+    </dgm:pt>
+    <dgm:pt modelId="{500FC536-3CC3-4E6E-9930-C2E53F7B4046}" type="sibTrans" cxnId="{C61566CE-2605-45D6-955E-CB4E50132391}">
+      <dgm:prSet/>
+      <dgm:spPr/>
+      <dgm:t>
+        <a:bodyPr/>
+        <a:lstStyle/>
+        <a:p>
+          <a:endParaRPr lang="en-PH"/>
+        </a:p>
+      </dgm:t>
+    </dgm:pt>
+    <dgm:pt modelId="{6AD3977E-4573-4CDF-97AD-321C0C38DBAD}">
+      <dgm:prSet phldr="0" custT="1"/>
+      <dgm:spPr/>
+      <dgm:t>
+        <a:bodyPr/>
+        <a:lstStyle/>
+        <a:p>
+          <a:pPr rtl="0"/>
+          <a:r>
+            <a:rPr lang="en-US" sz="2400" i="0" u="none" dirty="0" err="1">
+              <a:effectLst>
+                <a:outerShdw blurRad="38100" dist="38100" dir="2700000" algn="tl">
+                  <a:srgbClr val="000000">
+                    <a:alpha val="43137"/>
+                  </a:srgbClr>
+                </a:outerShdw>
+              </a:effectLst>
+              <a:latin typeface="+mn-lt"/>
+            </a:rPr>
+            <a:t>olivia</a:t>
+          </a:r>
+          <a:r>
+            <a:rPr lang="en-US" sz="2400" i="0" u="none" dirty="0">
+              <a:effectLst>
+                <a:outerShdw blurRad="38100" dist="38100" dir="2700000" algn="tl">
+                  <a:srgbClr val="000000">
+                    <a:alpha val="43137"/>
+                  </a:srgbClr>
+                </a:outerShdw>
+              </a:effectLst>
+              <a:latin typeface="+mn-lt"/>
+            </a:rPr>
+            <a:t> </a:t>
+          </a:r>
+          <a:r>
+            <a:rPr lang="en-US" sz="2400" i="0" u="none" dirty="0" err="1">
+              <a:effectLst>
+                <a:outerShdw blurRad="38100" dist="38100" dir="2700000" algn="tl">
+                  <a:srgbClr val="000000">
+                    <a:alpha val="43137"/>
+                  </a:srgbClr>
+                </a:outerShdw>
+              </a:effectLst>
+              <a:latin typeface="+mn-lt"/>
+            </a:rPr>
+            <a:t>ano</a:t>
+          </a:r>
+          <a:r>
+            <a:rPr lang="en-US" sz="2400" i="0" u="none" dirty="0">
+              <a:effectLst>
+                <a:outerShdw blurRad="38100" dist="38100" dir="2700000" algn="tl">
+                  <a:srgbClr val="000000">
+                    <a:alpha val="43137"/>
+                  </a:srgbClr>
+                </a:outerShdw>
+              </a:effectLst>
+              <a:latin typeface="+mn-lt"/>
+            </a:rPr>
+            <a:t> number [nickname/logger]</a:t>
+          </a:r>
+        </a:p>
+      </dgm:t>
+    </dgm:pt>
+    <dgm:pt modelId="{2567FF4E-94A0-4933-A6C6-A695A7FDA019}" type="parTrans" cxnId="{149E8610-E1B1-452F-90EE-86ED9A0AB225}">
+      <dgm:prSet/>
+      <dgm:spPr/>
+      <dgm:t>
+        <a:bodyPr/>
+        <a:lstStyle/>
+        <a:p>
+          <a:endParaRPr lang="en-PH"/>
+        </a:p>
+      </dgm:t>
+    </dgm:pt>
+    <dgm:pt modelId="{1910FB6B-B23C-41F3-B0EA-5A4C5C062889}" type="sibTrans" cxnId="{149E8610-E1B1-452F-90EE-86ED9A0AB225}">
+      <dgm:prSet/>
+      <dgm:spPr/>
+      <dgm:t>
+        <a:bodyPr/>
+        <a:lstStyle/>
+        <a:p>
+          <a:endParaRPr lang="en-PH"/>
+        </a:p>
+      </dgm:t>
+    </dgm:pt>
+    <dgm:pt modelId="{715AA07E-F50C-4C3D-BB23-747FEA4AD6D7}">
+      <dgm:prSet phldr="0" custT="1"/>
+      <dgm:spPr/>
+      <dgm:t>
+        <a:bodyPr/>
+        <a:lstStyle/>
+        <a:p>
+          <a:pPr rtl="0"/>
+          <a:r>
+            <a:rPr lang="en-US" sz="2400" i="0" u="none" dirty="0" err="1">
+              <a:effectLst>
+                <a:outerShdw blurRad="38100" dist="38100" dir="2700000" algn="tl">
+                  <a:srgbClr val="000000">
+                    <a:alpha val="43137"/>
+                  </a:srgbClr>
+                </a:outerShdw>
+              </a:effectLst>
+              <a:latin typeface="+mn-lt"/>
+            </a:rPr>
+            <a:t>olivia</a:t>
+          </a:r>
+          <a:r>
+            <a:rPr lang="en-US" sz="2400" i="0" u="none" dirty="0">
+              <a:effectLst>
+                <a:outerShdw blurRad="38100" dist="38100" dir="2700000" algn="tl">
+                  <a:srgbClr val="000000">
+                    <a:alpha val="43137"/>
+                  </a:srgbClr>
+                </a:outerShdw>
+              </a:effectLst>
+              <a:latin typeface="+mn-lt"/>
+            </a:rPr>
+            <a:t> </a:t>
+          </a:r>
+          <a:r>
+            <a:rPr lang="en-US" sz="2400" i="0" u="none" dirty="0" err="1">
+              <a:effectLst>
+                <a:outerShdw blurRad="38100" dist="38100" dir="2700000" algn="tl">
+                  <a:srgbClr val="000000">
+                    <a:alpha val="43137"/>
+                  </a:srgbClr>
+                </a:outerShdw>
+              </a:effectLst>
+              <a:latin typeface="+mn-lt"/>
+            </a:rPr>
+            <a:t>kanino</a:t>
+          </a:r>
+          <a:r>
+            <a:rPr lang="en-US" sz="2400" i="0" u="none" dirty="0">
+              <a:effectLst>
+                <a:outerShdw blurRad="38100" dist="38100" dir="2700000" algn="tl">
+                  <a:srgbClr val="000000">
+                    <a:alpha val="43137"/>
+                  </a:srgbClr>
+                </a:outerShdw>
+              </a:effectLst>
+              <a:latin typeface="+mn-lt"/>
+            </a:rPr>
+            <a:t> number</a:t>
+          </a:r>
+        </a:p>
+      </dgm:t>
+    </dgm:pt>
+    <dgm:pt modelId="{D5CB6829-2B66-4530-AE3B-E542436319B2}" type="parTrans" cxnId="{3345D211-AA89-49EC-8C84-551FF10D363C}">
+      <dgm:prSet/>
+      <dgm:spPr/>
+      <dgm:t>
+        <a:bodyPr/>
+        <a:lstStyle/>
+        <a:p>
+          <a:endParaRPr lang="en-PH"/>
+        </a:p>
+      </dgm:t>
+    </dgm:pt>
+    <dgm:pt modelId="{CA82AE89-2807-4676-9584-418C7C8D5277}" type="sibTrans" cxnId="{3345D211-AA89-49EC-8C84-551FF10D363C}">
+      <dgm:prSet/>
+      <dgm:spPr/>
+      <dgm:t>
+        <a:bodyPr/>
+        <a:lstStyle/>
+        <a:p>
+          <a:endParaRPr lang="en-PH"/>
+        </a:p>
+      </dgm:t>
     </dgm:pt>
     <dgm:pt modelId="{482831EA-3DBD-460B-A906-08DF721ACF24}" type="pres">
       <dgm:prSet presAssocID="{98215B50-9504-4A40-989C-D2FBCDC99796}" presName="linear" presStyleCnt="0">
@@ -1879,7 +2136,7 @@
       <dgm:spPr/>
     </dgm:pt>
     <dgm:pt modelId="{19E2F9BC-F3CC-4737-A5FE-75AA42E0ACDE}" type="pres">
-      <dgm:prSet presAssocID="{214F9E82-B142-4E12-9DC9-12C26A01CDF7}" presName="parentText" presStyleLbl="node1" presStyleIdx="0" presStyleCnt="12">
+      <dgm:prSet presAssocID="{214F9E82-B142-4E12-9DC9-12C26A01CDF7}" presName="parentText" presStyleLbl="node1" presStyleIdx="0" presStyleCnt="15">
         <dgm:presLayoutVars>
           <dgm:chMax val="0"/>
           <dgm:bulletEnabled val="1"/>
@@ -1892,7 +2149,7 @@
       <dgm:spPr/>
     </dgm:pt>
     <dgm:pt modelId="{DB6AF47B-488C-43AA-B7DA-922C367A07B7}" type="pres">
-      <dgm:prSet presAssocID="{26C303A4-3EFC-41FF-8CBA-77C991B80472}" presName="parentText" presStyleLbl="node1" presStyleIdx="1" presStyleCnt="12">
+      <dgm:prSet presAssocID="{26C303A4-3EFC-41FF-8CBA-77C991B80472}" presName="parentText" presStyleLbl="node1" presStyleIdx="1" presStyleCnt="15">
         <dgm:presLayoutVars>
           <dgm:chMax val="0"/>
           <dgm:bulletEnabled val="1"/>
@@ -1905,7 +2162,7 @@
       <dgm:spPr/>
     </dgm:pt>
     <dgm:pt modelId="{FE35FEFD-BCE6-43A7-B93C-B201FC64E570}" type="pres">
-      <dgm:prSet presAssocID="{D6E61F26-81B9-4B62-BADD-0E0292E5001C}" presName="parentText" presStyleLbl="node1" presStyleIdx="2" presStyleCnt="12">
+      <dgm:prSet presAssocID="{D6E61F26-81B9-4B62-BADD-0E0292E5001C}" presName="parentText" presStyleLbl="node1" presStyleIdx="2" presStyleCnt="15">
         <dgm:presLayoutVars>
           <dgm:chMax val="0"/>
           <dgm:bulletEnabled val="1"/>
@@ -1918,7 +2175,7 @@
       <dgm:spPr/>
     </dgm:pt>
     <dgm:pt modelId="{951DA4C9-83AB-468A-AB06-088C160529DA}" type="pres">
-      <dgm:prSet presAssocID="{B7A0A0A1-7D86-4A66-AAFC-4E2C1D3B1F56}" presName="parentText" presStyleLbl="node1" presStyleIdx="3" presStyleCnt="12">
+      <dgm:prSet presAssocID="{B7A0A0A1-7D86-4A66-AAFC-4E2C1D3B1F56}" presName="parentText" presStyleLbl="node1" presStyleIdx="3" presStyleCnt="15">
         <dgm:presLayoutVars>
           <dgm:chMax val="0"/>
           <dgm:bulletEnabled val="1"/>
@@ -1931,7 +2188,7 @@
       <dgm:spPr/>
     </dgm:pt>
     <dgm:pt modelId="{EF41CD9B-D98C-4D43-8DDA-F730EC53226C}" type="pres">
-      <dgm:prSet presAssocID="{358548BA-CEDB-41BE-9655-D918CEB97FF7}" presName="parentText" presStyleLbl="node1" presStyleIdx="4" presStyleCnt="12">
+      <dgm:prSet presAssocID="{358548BA-CEDB-41BE-9655-D918CEB97FF7}" presName="parentText" presStyleLbl="node1" presStyleIdx="4" presStyleCnt="15">
         <dgm:presLayoutVars>
           <dgm:chMax val="0"/>
           <dgm:bulletEnabled val="1"/>
@@ -1944,7 +2201,7 @@
       <dgm:spPr/>
     </dgm:pt>
     <dgm:pt modelId="{B2DEB886-67AD-4D10-B473-E722B128C37E}" type="pres">
-      <dgm:prSet presAssocID="{271F90CA-E68D-4DF3-9187-D5627130083A}" presName="parentText" presStyleLbl="node1" presStyleIdx="5" presStyleCnt="12">
+      <dgm:prSet presAssocID="{271F90CA-E68D-4DF3-9187-D5627130083A}" presName="parentText" presStyleLbl="node1" presStyleIdx="5" presStyleCnt="15">
         <dgm:presLayoutVars>
           <dgm:chMax val="0"/>
           <dgm:bulletEnabled val="1"/>
@@ -1957,7 +2214,7 @@
       <dgm:spPr/>
     </dgm:pt>
     <dgm:pt modelId="{113115EB-A218-444F-89FD-EC4E0D759E82}" type="pres">
-      <dgm:prSet presAssocID="{D036B2B1-3E7E-4F9A-BD15-7E1371DD27CB}" presName="parentText" presStyleLbl="node1" presStyleIdx="6" presStyleCnt="12">
+      <dgm:prSet presAssocID="{D036B2B1-3E7E-4F9A-BD15-7E1371DD27CB}" presName="parentText" presStyleLbl="node1" presStyleIdx="6" presStyleCnt="15">
         <dgm:presLayoutVars>
           <dgm:chMax val="0"/>
           <dgm:bulletEnabled val="1"/>
@@ -1970,7 +2227,7 @@
       <dgm:spPr/>
     </dgm:pt>
     <dgm:pt modelId="{3F7AA4BD-5BA9-4859-9E1B-F8A570717966}" type="pres">
-      <dgm:prSet presAssocID="{4271B710-9928-47FD-8E14-FED3B04D61BA}" presName="parentText" presStyleLbl="node1" presStyleIdx="7" presStyleCnt="12">
+      <dgm:prSet presAssocID="{4271B710-9928-47FD-8E14-FED3B04D61BA}" presName="parentText" presStyleLbl="node1" presStyleIdx="7" presStyleCnt="15">
         <dgm:presLayoutVars>
           <dgm:chMax val="0"/>
           <dgm:bulletEnabled val="1"/>
@@ -1983,7 +2240,7 @@
       <dgm:spPr/>
     </dgm:pt>
     <dgm:pt modelId="{FF6D061E-8CA5-4B29-B717-AB6F619EA33A}" type="pres">
-      <dgm:prSet presAssocID="{ABB87E2D-4656-4B45-AE63-687459A895E5}" presName="parentText" presStyleLbl="node1" presStyleIdx="8" presStyleCnt="12">
+      <dgm:prSet presAssocID="{ABB87E2D-4656-4B45-AE63-687459A895E5}" presName="parentText" presStyleLbl="node1" presStyleIdx="8" presStyleCnt="15">
         <dgm:presLayoutVars>
           <dgm:chMax val="0"/>
           <dgm:bulletEnabled val="1"/>
@@ -1996,7 +2253,7 @@
       <dgm:spPr/>
     </dgm:pt>
     <dgm:pt modelId="{855C8D91-1E45-4477-BB5F-DD1F1A2ED70C}" type="pres">
-      <dgm:prSet presAssocID="{E96BA869-1B6F-4F26-9FE0-2F51CD34BC44}" presName="parentText" presStyleLbl="node1" presStyleIdx="9" presStyleCnt="12">
+      <dgm:prSet presAssocID="{E96BA869-1B6F-4F26-9FE0-2F51CD34BC44}" presName="parentText" presStyleLbl="node1" presStyleIdx="9" presStyleCnt="15">
         <dgm:presLayoutVars>
           <dgm:chMax val="0"/>
           <dgm:bulletEnabled val="1"/>
@@ -2009,7 +2266,7 @@
       <dgm:spPr/>
     </dgm:pt>
     <dgm:pt modelId="{533A8AE7-0A4B-4EA2-83C7-89D835BD9642}" type="pres">
-      <dgm:prSet presAssocID="{9629022B-9CE8-420C-88A4-05F8ACAC9BE0}" presName="parentText" presStyleLbl="node1" presStyleIdx="10" presStyleCnt="12">
+      <dgm:prSet presAssocID="{9629022B-9CE8-420C-88A4-05F8ACAC9BE0}" presName="parentText" presStyleLbl="node1" presStyleIdx="10" presStyleCnt="15">
         <dgm:presLayoutVars>
           <dgm:chMax val="0"/>
           <dgm:bulletEnabled val="1"/>
@@ -2022,7 +2279,46 @@
       <dgm:spPr/>
     </dgm:pt>
     <dgm:pt modelId="{B4B8190B-2891-42C7-8072-5DA26FF09F19}" type="pres">
-      <dgm:prSet presAssocID="{C4344EC9-6F89-4250-9CB4-1B93F5DC2463}" presName="parentText" presStyleLbl="node1" presStyleIdx="11" presStyleCnt="12">
+      <dgm:prSet presAssocID="{C4344EC9-6F89-4250-9CB4-1B93F5DC2463}" presName="parentText" presStyleLbl="node1" presStyleIdx="11" presStyleCnt="15">
+        <dgm:presLayoutVars>
+          <dgm:chMax val="0"/>
+          <dgm:bulletEnabled val="1"/>
+        </dgm:presLayoutVars>
+      </dgm:prSet>
+      <dgm:spPr/>
+    </dgm:pt>
+    <dgm:pt modelId="{233A4749-5F2F-4CAE-80CE-27409212A946}" type="pres">
+      <dgm:prSet presAssocID="{91DF7C24-0AC8-406E-BB41-E230A25517DF}" presName="spacer" presStyleCnt="0"/>
+      <dgm:spPr/>
+    </dgm:pt>
+    <dgm:pt modelId="{205BD01C-53D0-41DC-ACF7-3B8F0576E668}" type="pres">
+      <dgm:prSet presAssocID="{1414CB55-05B5-4C02-99F8-14390BFDDBF0}" presName="parentText" presStyleLbl="node1" presStyleIdx="12" presStyleCnt="15">
+        <dgm:presLayoutVars>
+          <dgm:chMax val="0"/>
+          <dgm:bulletEnabled val="1"/>
+        </dgm:presLayoutVars>
+      </dgm:prSet>
+      <dgm:spPr/>
+    </dgm:pt>
+    <dgm:pt modelId="{424BF8D1-684D-4385-AE8D-8B0E4C114BA4}" type="pres">
+      <dgm:prSet presAssocID="{500FC536-3CC3-4E6E-9930-C2E53F7B4046}" presName="spacer" presStyleCnt="0"/>
+      <dgm:spPr/>
+    </dgm:pt>
+    <dgm:pt modelId="{1EE854CF-9BE7-4CA5-A0B6-DC38B73F8D52}" type="pres">
+      <dgm:prSet presAssocID="{6AD3977E-4573-4CDF-97AD-321C0C38DBAD}" presName="parentText" presStyleLbl="node1" presStyleIdx="13" presStyleCnt="15">
+        <dgm:presLayoutVars>
+          <dgm:chMax val="0"/>
+          <dgm:bulletEnabled val="1"/>
+        </dgm:presLayoutVars>
+      </dgm:prSet>
+      <dgm:spPr/>
+    </dgm:pt>
+    <dgm:pt modelId="{3E511DCC-18CF-456F-9BBA-4A94962E7BFC}" type="pres">
+      <dgm:prSet presAssocID="{1910FB6B-B23C-41F3-B0EA-5A4C5C062889}" presName="spacer" presStyleCnt="0"/>
+      <dgm:spPr/>
+    </dgm:pt>
+    <dgm:pt modelId="{386A165B-04E2-4447-BB61-CDA5F66D96E9}" type="pres">
+      <dgm:prSet presAssocID="{715AA07E-F50C-4C3D-BB23-747FEA4AD6D7}" presName="parentText" presStyleLbl="node1" presStyleIdx="14" presStyleCnt="15">
         <dgm:presLayoutVars>
           <dgm:chMax val="0"/>
           <dgm:bulletEnabled val="1"/>
@@ -2033,13 +2329,17 @@
   </dgm:ptLst>
   <dgm:cxnLst>
     <dgm:cxn modelId="{3874AA00-1D20-42AD-A555-6FBF79019886}" srcId="{98215B50-9504-4A40-989C-D2FBCDC99796}" destId="{9629022B-9CE8-420C-88A4-05F8ACAC9BE0}" srcOrd="10" destOrd="0" parTransId="{FF6C1D2B-4C70-4ADC-9167-0A731686B115}" sibTransId="{64F3D272-925A-4C2A-9D8C-326C8A65DE3D}"/>
+    <dgm:cxn modelId="{149E8610-E1B1-452F-90EE-86ED9A0AB225}" srcId="{98215B50-9504-4A40-989C-D2FBCDC99796}" destId="{6AD3977E-4573-4CDF-97AD-321C0C38DBAD}" srcOrd="13" destOrd="0" parTransId="{2567FF4E-94A0-4933-A6C6-A695A7FDA019}" sibTransId="{1910FB6B-B23C-41F3-B0EA-5A4C5C062889}"/>
+    <dgm:cxn modelId="{3345D211-AA89-49EC-8C84-551FF10D363C}" srcId="{98215B50-9504-4A40-989C-D2FBCDC99796}" destId="{715AA07E-F50C-4C3D-BB23-747FEA4AD6D7}" srcOrd="14" destOrd="0" parTransId="{D5CB6829-2B66-4530-AE3B-E542436319B2}" sibTransId="{CA82AE89-2807-4676-9584-418C7C8D5277}"/>
     <dgm:cxn modelId="{D5FEF72A-6748-46B9-95FA-3D905226D5C9}" srcId="{98215B50-9504-4A40-989C-D2FBCDC99796}" destId="{C4344EC9-6F89-4250-9CB4-1B93F5DC2463}" srcOrd="11" destOrd="0" parTransId="{8B0C69E0-3103-4312-88BF-263CDB5D925E}" sibTransId="{91DF7C24-0AC8-406E-BB41-E230A25517DF}"/>
     <dgm:cxn modelId="{CE004735-EE0A-4F02-A777-941216508285}" type="presOf" srcId="{C4344EC9-6F89-4250-9CB4-1B93F5DC2463}" destId="{B4B8190B-2891-42C7-8072-5DA26FF09F19}" srcOrd="0" destOrd="0" presId="urn:microsoft.com/office/officeart/2005/8/layout/vList2"/>
     <dgm:cxn modelId="{83B8CA3C-326F-45AE-AE4D-424D11126D60}" srcId="{98215B50-9504-4A40-989C-D2FBCDC99796}" destId="{D036B2B1-3E7E-4F9A-BD15-7E1371DD27CB}" srcOrd="6" destOrd="0" parTransId="{7995A870-09A7-49D4-9B1B-84635E25C3AB}" sibTransId="{1CF6187C-4FF8-44B2-99BB-1BA45325CB3E}"/>
+    <dgm:cxn modelId="{58C7AB61-320A-49E4-B7EF-46FE16869B8D}" type="presOf" srcId="{1414CB55-05B5-4C02-99F8-14390BFDDBF0}" destId="{205BD01C-53D0-41DC-ACF7-3B8F0576E668}" srcOrd="0" destOrd="0" presId="urn:microsoft.com/office/officeart/2005/8/layout/vList2"/>
     <dgm:cxn modelId="{E7E8FD4D-F32B-4981-8535-99319B44ED98}" srcId="{98215B50-9504-4A40-989C-D2FBCDC99796}" destId="{E96BA869-1B6F-4F26-9FE0-2F51CD34BC44}" srcOrd="9" destOrd="0" parTransId="{73C307E2-54F0-4764-BD09-8AC56058923E}" sibTransId="{F48ACB3C-5096-4EEF-AA75-1BB8CC4FB36B}"/>
     <dgm:cxn modelId="{B15CE674-EEE2-4616-AB93-3D4763BFB112}" type="presOf" srcId="{B7A0A0A1-7D86-4A66-AAFC-4E2C1D3B1F56}" destId="{951DA4C9-83AB-468A-AB06-088C160529DA}" srcOrd="0" destOrd="0" presId="urn:microsoft.com/office/officeart/2005/8/layout/vList2"/>
     <dgm:cxn modelId="{D07D8E55-A4C4-45A5-B121-666FF9CAA744}" srcId="{98215B50-9504-4A40-989C-D2FBCDC99796}" destId="{B7A0A0A1-7D86-4A66-AAFC-4E2C1D3B1F56}" srcOrd="3" destOrd="0" parTransId="{E14A4597-4C4E-44FC-9592-B1352BCD54DF}" sibTransId="{9643EFBB-34CF-4DC4-A9C6-1819B35368EE}"/>
     <dgm:cxn modelId="{5BC9E47E-B6BB-41AF-91FA-EE41428E1751}" srcId="{98215B50-9504-4A40-989C-D2FBCDC99796}" destId="{271F90CA-E68D-4DF3-9187-D5627130083A}" srcOrd="5" destOrd="0" parTransId="{6B92ECC4-36CA-484C-94ED-D6379A1A2BD0}" sibTransId="{9BBBDA80-95A9-4D39-A6CE-8A844DB33363}"/>
+    <dgm:cxn modelId="{52CA208A-3CD4-421C-85EA-BD161A948972}" type="presOf" srcId="{6AD3977E-4573-4CDF-97AD-321C0C38DBAD}" destId="{1EE854CF-9BE7-4CA5-A0B6-DC38B73F8D52}" srcOrd="0" destOrd="0" presId="urn:microsoft.com/office/officeart/2005/8/layout/vList2"/>
     <dgm:cxn modelId="{01544994-8A84-4EFD-B9D8-47EBF7C154A2}" srcId="{98215B50-9504-4A40-989C-D2FBCDC99796}" destId="{26C303A4-3EFC-41FF-8CBA-77C991B80472}" srcOrd="1" destOrd="0" parTransId="{3CFFF5EE-DF7D-4D7E-B473-7911EC68E0C0}" sibTransId="{2886419E-6659-4F44-9E52-BC62DF695FE3}"/>
     <dgm:cxn modelId="{D0A598A0-8ABB-4BE7-82C7-B21DE7979577}" type="presOf" srcId="{358548BA-CEDB-41BE-9655-D918CEB97FF7}" destId="{EF41CD9B-D98C-4D43-8DDA-F730EC53226C}" srcOrd="0" destOrd="0" presId="urn:microsoft.com/office/officeart/2005/8/layout/vList2"/>
     <dgm:cxn modelId="{250A5EA9-1342-429E-9C7F-9988BA296DFC}" srcId="{98215B50-9504-4A40-989C-D2FBCDC99796}" destId="{4271B710-9928-47FD-8E14-FED3B04D61BA}" srcOrd="7" destOrd="0" parTransId="{B7C65B79-D84C-4F3D-B97D-D4DD9AFDA06A}" sibTransId="{B4C7A795-EFB4-4C96-B482-CC16261346EF}"/>
@@ -2050,11 +2350,13 @@
     <dgm:cxn modelId="{2E9A07B7-C039-4046-8BB4-E025B684AB57}" type="presOf" srcId="{D036B2B1-3E7E-4F9A-BD15-7E1371DD27CB}" destId="{113115EB-A218-444F-89FD-EC4E0D759E82}" srcOrd="0" destOrd="0" presId="urn:microsoft.com/office/officeart/2005/8/layout/vList2"/>
     <dgm:cxn modelId="{719512B9-C15D-4641-82A3-E576ED4E8CC4}" type="presOf" srcId="{D6E61F26-81B9-4B62-BADD-0E0292E5001C}" destId="{FE35FEFD-BCE6-43A7-B93C-B201FC64E570}" srcOrd="0" destOrd="0" presId="urn:microsoft.com/office/officeart/2005/8/layout/vList2"/>
     <dgm:cxn modelId="{2D3EB8C5-3900-4208-9434-96C537CAE4B1}" type="presOf" srcId="{271F90CA-E68D-4DF3-9187-D5627130083A}" destId="{B2DEB886-67AD-4D10-B473-E722B128C37E}" srcOrd="0" destOrd="0" presId="urn:microsoft.com/office/officeart/2005/8/layout/vList2"/>
+    <dgm:cxn modelId="{C61566CE-2605-45D6-955E-CB4E50132391}" srcId="{98215B50-9504-4A40-989C-D2FBCDC99796}" destId="{1414CB55-05B5-4C02-99F8-14390BFDDBF0}" srcOrd="12" destOrd="0" parTransId="{507D26F8-BC79-476E-9AE6-796ADB589A9E}" sibTransId="{500FC536-3CC3-4E6E-9930-C2E53F7B4046}"/>
     <dgm:cxn modelId="{25BD54D4-C629-4CB6-A94C-FA0F637E0BFD}" srcId="{98215B50-9504-4A40-989C-D2FBCDC99796}" destId="{D6E61F26-81B9-4B62-BADD-0E0292E5001C}" srcOrd="2" destOrd="0" parTransId="{8537ECFE-BA2C-45D0-9878-7A5701C246DE}" sibTransId="{101F192D-0DA6-4A7F-A569-3F4DAB5283C0}"/>
     <dgm:cxn modelId="{EC3E16DE-0857-4ADF-BA7C-DED4CC9B098B}" type="presOf" srcId="{26C303A4-3EFC-41FF-8CBA-77C991B80472}" destId="{DB6AF47B-488C-43AA-B7DA-922C367A07B7}" srcOrd="0" destOrd="0" presId="urn:microsoft.com/office/officeart/2005/8/layout/vList2"/>
     <dgm:cxn modelId="{6A76EADF-05F5-446D-92DD-B146C1178927}" type="presOf" srcId="{4271B710-9928-47FD-8E14-FED3B04D61BA}" destId="{3F7AA4BD-5BA9-4859-9E1B-F8A570717966}" srcOrd="0" destOrd="0" presId="urn:microsoft.com/office/officeart/2005/8/layout/vList2"/>
     <dgm:cxn modelId="{C76571E6-3BDD-444F-8D6F-6FFBDECC0C9E}" type="presOf" srcId="{ABB87E2D-4656-4B45-AE63-687459A895E5}" destId="{FF6D061E-8CA5-4B29-B717-AB6F619EA33A}" srcOrd="0" destOrd="0" presId="urn:microsoft.com/office/officeart/2005/8/layout/vList2"/>
     <dgm:cxn modelId="{BF179DEA-0374-473F-A053-22170AD019F5}" type="presOf" srcId="{214F9E82-B142-4E12-9DC9-12C26A01CDF7}" destId="{19E2F9BC-F3CC-4737-A5FE-75AA42E0ACDE}" srcOrd="0" destOrd="0" presId="urn:microsoft.com/office/officeart/2005/8/layout/vList2"/>
+    <dgm:cxn modelId="{77CCFBED-051C-4296-AD17-5FD1400D5B93}" type="presOf" srcId="{715AA07E-F50C-4C3D-BB23-747FEA4AD6D7}" destId="{386A165B-04E2-4447-BB61-CDA5F66D96E9}" srcOrd="0" destOrd="0" presId="urn:microsoft.com/office/officeart/2005/8/layout/vList2"/>
     <dgm:cxn modelId="{D97647F3-1F27-407F-88E8-9027B40AEF8F}" type="presOf" srcId="{E96BA869-1B6F-4F26-9FE0-2F51CD34BC44}" destId="{855C8D91-1E45-4477-BB5F-DD1F1A2ED70C}" srcOrd="0" destOrd="0" presId="urn:microsoft.com/office/officeart/2005/8/layout/vList2"/>
     <dgm:cxn modelId="{D84E2BFA-9647-4C28-AD48-B178721A8786}" srcId="{98215B50-9504-4A40-989C-D2FBCDC99796}" destId="{ABB87E2D-4656-4B45-AE63-687459A895E5}" srcOrd="8" destOrd="0" parTransId="{4351E49A-BBCB-421F-8A75-B3C043CFDA2E}" sibTransId="{A6F6D395-1E2D-4AF6-A46F-AAC4836F12A4}"/>
     <dgm:cxn modelId="{ABA70A32-5477-4326-AB51-DA3B02F2FB1E}" type="presParOf" srcId="{482831EA-3DBD-460B-A906-08DF721ACF24}" destId="{19E2F9BC-F3CC-4737-A5FE-75AA42E0ACDE}" srcOrd="0" destOrd="0" presId="urn:microsoft.com/office/officeart/2005/8/layout/vList2"/>
@@ -2080,6 +2382,12 @@
     <dgm:cxn modelId="{DBDEAFC0-7AFD-4ED5-9E61-879F79EF46D9}" type="presParOf" srcId="{482831EA-3DBD-460B-A906-08DF721ACF24}" destId="{533A8AE7-0A4B-4EA2-83C7-89D835BD9642}" srcOrd="20" destOrd="0" presId="urn:microsoft.com/office/officeart/2005/8/layout/vList2"/>
     <dgm:cxn modelId="{9161ACA6-30B5-4C87-988D-27B6FF8E1E6D}" type="presParOf" srcId="{482831EA-3DBD-460B-A906-08DF721ACF24}" destId="{C0D0129A-2DF7-43B3-B726-AF85B95A57D2}" srcOrd="21" destOrd="0" presId="urn:microsoft.com/office/officeart/2005/8/layout/vList2"/>
     <dgm:cxn modelId="{70A09714-86F4-47BF-BFCC-E88FDF390C77}" type="presParOf" srcId="{482831EA-3DBD-460B-A906-08DF721ACF24}" destId="{B4B8190B-2891-42C7-8072-5DA26FF09F19}" srcOrd="22" destOrd="0" presId="urn:microsoft.com/office/officeart/2005/8/layout/vList2"/>
+    <dgm:cxn modelId="{F9E6D245-DE4F-4AFC-BCA0-984962E4D216}" type="presParOf" srcId="{482831EA-3DBD-460B-A906-08DF721ACF24}" destId="{233A4749-5F2F-4CAE-80CE-27409212A946}" srcOrd="23" destOrd="0" presId="urn:microsoft.com/office/officeart/2005/8/layout/vList2"/>
+    <dgm:cxn modelId="{1B353473-E7DA-420E-9D40-0A0A1580B2CE}" type="presParOf" srcId="{482831EA-3DBD-460B-A906-08DF721ACF24}" destId="{205BD01C-53D0-41DC-ACF7-3B8F0576E668}" srcOrd="24" destOrd="0" presId="urn:microsoft.com/office/officeart/2005/8/layout/vList2"/>
+    <dgm:cxn modelId="{C4AE468A-DCFD-4D12-A674-7529D38983C8}" type="presParOf" srcId="{482831EA-3DBD-460B-A906-08DF721ACF24}" destId="{424BF8D1-684D-4385-AE8D-8B0E4C114BA4}" srcOrd="25" destOrd="0" presId="urn:microsoft.com/office/officeart/2005/8/layout/vList2"/>
+    <dgm:cxn modelId="{AA89AFC8-9E90-43B7-A687-1155F87D7504}" type="presParOf" srcId="{482831EA-3DBD-460B-A906-08DF721ACF24}" destId="{1EE854CF-9BE7-4CA5-A0B6-DC38B73F8D52}" srcOrd="26" destOrd="0" presId="urn:microsoft.com/office/officeart/2005/8/layout/vList2"/>
+    <dgm:cxn modelId="{B721D419-E063-4449-9B46-C770B493A455}" type="presParOf" srcId="{482831EA-3DBD-460B-A906-08DF721ACF24}" destId="{3E511DCC-18CF-456F-9BBA-4A94962E7BFC}" srcOrd="27" destOrd="0" presId="urn:microsoft.com/office/officeart/2005/8/layout/vList2"/>
+    <dgm:cxn modelId="{AC608FB7-5827-4CEC-81BF-EBF51AFB4026}" type="presParOf" srcId="{482831EA-3DBD-460B-A906-08DF721ACF24}" destId="{386A165B-04E2-4447-BB61-CDA5F66D96E9}" srcOrd="28" destOrd="0" presId="urn:microsoft.com/office/officeart/2005/8/layout/vList2"/>
   </dgm:cxnLst>
   <dgm:bg/>
   <dgm:whole/>
@@ -2106,8 +2414,8 @@
       </dsp:nvSpPr>
       <dsp:spPr>
         <a:xfrm>
-          <a:off x="0" y="1228"/>
-          <a:ext cx="5457824" cy="453890"/>
+          <a:off x="0" y="97492"/>
+          <a:ext cx="5457824" cy="374034"/>
         </a:xfrm>
         <a:prstGeom prst="roundRect">
           <a:avLst/>
@@ -2181,8 +2489,8 @@
         </a:p>
       </dsp:txBody>
       <dsp:txXfrm>
-        <a:off x="22157" y="23385"/>
-        <a:ext cx="5413510" cy="409576"/>
+        <a:off x="18259" y="115751"/>
+        <a:ext cx="5421306" cy="337516"/>
       </dsp:txXfrm>
     </dsp:sp>
     <dsp:sp modelId="{DB6AF47B-488C-43AA-B7DA-922C367A07B7}">
@@ -2192,17 +2500,17 @@
       </dsp:nvSpPr>
       <dsp:spPr>
         <a:xfrm>
-          <a:off x="0" y="466299"/>
-          <a:ext cx="5457824" cy="453890"/>
+          <a:off x="0" y="485926"/>
+          <a:ext cx="5457824" cy="374034"/>
         </a:xfrm>
         <a:prstGeom prst="roundRect">
           <a:avLst/>
         </a:prstGeom>
         <a:solidFill>
           <a:schemeClr val="accent5">
-            <a:hueOff val="-614413"/>
-            <a:satOff val="-1584"/>
-            <a:lumOff val="-1070"/>
+            <a:hueOff val="-482753"/>
+            <a:satOff val="-1244"/>
+            <a:lumOff val="-840"/>
             <a:alphaOff val="0"/>
           </a:schemeClr>
         </a:solidFill>
@@ -2288,8 +2596,8 @@
         </a:p>
       </dsp:txBody>
       <dsp:txXfrm>
-        <a:off x="22157" y="488456"/>
-        <a:ext cx="5413510" cy="409576"/>
+        <a:off x="18259" y="504185"/>
+        <a:ext cx="5421306" cy="337516"/>
       </dsp:txXfrm>
     </dsp:sp>
     <dsp:sp modelId="{FE35FEFD-BCE6-43A7-B93C-B201FC64E570}">
@@ -2299,17 +2607,17 @@
       </dsp:nvSpPr>
       <dsp:spPr>
         <a:xfrm>
-          <a:off x="0" y="931369"/>
-          <a:ext cx="5457824" cy="453890"/>
+          <a:off x="0" y="874360"/>
+          <a:ext cx="5457824" cy="374034"/>
         </a:xfrm>
         <a:prstGeom prst="roundRect">
           <a:avLst/>
         </a:prstGeom>
         <a:solidFill>
           <a:schemeClr val="accent5">
-            <a:hueOff val="-1228826"/>
-            <a:satOff val="-3167"/>
-            <a:lumOff val="-2139"/>
+            <a:hueOff val="-965506"/>
+            <a:satOff val="-2488"/>
+            <a:lumOff val="-1681"/>
             <a:alphaOff val="0"/>
           </a:schemeClr>
         </a:solidFill>
@@ -2431,8 +2739,8 @@
         </a:p>
       </dsp:txBody>
       <dsp:txXfrm>
-        <a:off x="22157" y="953526"/>
-        <a:ext cx="5413510" cy="409576"/>
+        <a:off x="18259" y="892619"/>
+        <a:ext cx="5421306" cy="337516"/>
       </dsp:txXfrm>
     </dsp:sp>
     <dsp:sp modelId="{951DA4C9-83AB-468A-AB06-088C160529DA}">
@@ -2442,17 +2750,17 @@
       </dsp:nvSpPr>
       <dsp:spPr>
         <a:xfrm>
-          <a:off x="0" y="1396440"/>
-          <a:ext cx="5457824" cy="453890"/>
+          <a:off x="0" y="1262795"/>
+          <a:ext cx="5457824" cy="374034"/>
         </a:xfrm>
         <a:prstGeom prst="roundRect">
           <a:avLst/>
         </a:prstGeom>
         <a:solidFill>
           <a:schemeClr val="accent5">
-            <a:hueOff val="-1843239"/>
-            <a:satOff val="-4751"/>
-            <a:lumOff val="-3209"/>
+            <a:hueOff val="-1448259"/>
+            <a:satOff val="-3733"/>
+            <a:lumOff val="-2521"/>
             <a:alphaOff val="0"/>
           </a:schemeClr>
         </a:solidFill>
@@ -2553,8 +2861,8 @@
         </a:p>
       </dsp:txBody>
       <dsp:txXfrm>
-        <a:off x="22157" y="1418597"/>
-        <a:ext cx="5413510" cy="409576"/>
+        <a:off x="18259" y="1281054"/>
+        <a:ext cx="5421306" cy="337516"/>
       </dsp:txXfrm>
     </dsp:sp>
     <dsp:sp modelId="{EF41CD9B-D98C-4D43-8DDA-F730EC53226C}">
@@ -2564,17 +2872,17 @@
       </dsp:nvSpPr>
       <dsp:spPr>
         <a:xfrm>
-          <a:off x="0" y="1861511"/>
-          <a:ext cx="5457824" cy="453890"/>
+          <a:off x="0" y="1651229"/>
+          <a:ext cx="5457824" cy="374034"/>
         </a:xfrm>
         <a:prstGeom prst="roundRect">
           <a:avLst/>
         </a:prstGeom>
         <a:solidFill>
           <a:schemeClr val="accent5">
-            <a:hueOff val="-2457652"/>
-            <a:satOff val="-6334"/>
-            <a:lumOff val="-4278"/>
+            <a:hueOff val="-1931012"/>
+            <a:satOff val="-4977"/>
+            <a:lumOff val="-3361"/>
             <a:alphaOff val="0"/>
           </a:schemeClr>
         </a:solidFill>
@@ -2687,8 +2995,8 @@
         </a:p>
       </dsp:txBody>
       <dsp:txXfrm>
-        <a:off x="22157" y="1883668"/>
-        <a:ext cx="5413510" cy="409576"/>
+        <a:off x="18259" y="1669488"/>
+        <a:ext cx="5421306" cy="337516"/>
       </dsp:txXfrm>
     </dsp:sp>
     <dsp:sp modelId="{B2DEB886-67AD-4D10-B473-E722B128C37E}">
@@ -2698,17 +3006,17 @@
       </dsp:nvSpPr>
       <dsp:spPr>
         <a:xfrm>
-          <a:off x="0" y="2326581"/>
-          <a:ext cx="5457824" cy="453890"/>
+          <a:off x="0" y="2039664"/>
+          <a:ext cx="5457824" cy="374034"/>
         </a:xfrm>
         <a:prstGeom prst="roundRect">
           <a:avLst/>
         </a:prstGeom>
         <a:solidFill>
           <a:schemeClr val="accent5">
-            <a:hueOff val="-3072065"/>
-            <a:satOff val="-7918"/>
-            <a:lumOff val="-5348"/>
+            <a:hueOff val="-2413765"/>
+            <a:satOff val="-6221"/>
+            <a:lumOff val="-4202"/>
             <a:alphaOff val="0"/>
           </a:schemeClr>
         </a:solidFill>
@@ -2785,8 +3093,8 @@
         </a:p>
       </dsp:txBody>
       <dsp:txXfrm>
-        <a:off x="22157" y="2348738"/>
-        <a:ext cx="5413510" cy="409576"/>
+        <a:off x="18259" y="2057923"/>
+        <a:ext cx="5421306" cy="337516"/>
       </dsp:txXfrm>
     </dsp:sp>
     <dsp:sp modelId="{113115EB-A218-444F-89FD-EC4E0D759E82}">
@@ -2796,17 +3104,17 @@
       </dsp:nvSpPr>
       <dsp:spPr>
         <a:xfrm>
-          <a:off x="0" y="2791652"/>
-          <a:ext cx="5457824" cy="453890"/>
+          <a:off x="0" y="2428098"/>
+          <a:ext cx="5457824" cy="374034"/>
         </a:xfrm>
         <a:prstGeom prst="roundRect">
           <a:avLst/>
         </a:prstGeom>
         <a:solidFill>
           <a:schemeClr val="accent5">
-            <a:hueOff val="-3686478"/>
-            <a:satOff val="-9501"/>
-            <a:lumOff val="-6417"/>
+            <a:hueOff val="-2896518"/>
+            <a:satOff val="-7465"/>
+            <a:lumOff val="-5042"/>
             <a:alphaOff val="0"/>
           </a:schemeClr>
         </a:solidFill>
@@ -2883,8 +3191,8 @@
         </a:p>
       </dsp:txBody>
       <dsp:txXfrm>
-        <a:off x="22157" y="2813809"/>
-        <a:ext cx="5413510" cy="409576"/>
+        <a:off x="18259" y="2446357"/>
+        <a:ext cx="5421306" cy="337516"/>
       </dsp:txXfrm>
     </dsp:sp>
     <dsp:sp modelId="{3F7AA4BD-5BA9-4859-9E1B-F8A570717966}">
@@ -2894,17 +3202,17 @@
       </dsp:nvSpPr>
       <dsp:spPr>
         <a:xfrm>
-          <a:off x="0" y="3256722"/>
-          <a:ext cx="5457824" cy="453890"/>
+          <a:off x="0" y="2816532"/>
+          <a:ext cx="5457824" cy="374034"/>
         </a:xfrm>
         <a:prstGeom prst="roundRect">
           <a:avLst/>
         </a:prstGeom>
         <a:solidFill>
           <a:schemeClr val="accent5">
-            <a:hueOff val="-4300891"/>
-            <a:satOff val="-11085"/>
-            <a:lumOff val="-7487"/>
+            <a:hueOff val="-3379271"/>
+            <a:satOff val="-8710"/>
+            <a:lumOff val="-5883"/>
             <a:alphaOff val="0"/>
           </a:schemeClr>
         </a:solidFill>
@@ -3026,8 +3334,8 @@
         </a:p>
       </dsp:txBody>
       <dsp:txXfrm>
-        <a:off x="22157" y="3278879"/>
-        <a:ext cx="5413510" cy="409576"/>
+        <a:off x="18259" y="2834791"/>
+        <a:ext cx="5421306" cy="337516"/>
       </dsp:txXfrm>
     </dsp:sp>
     <dsp:sp modelId="{FF6D061E-8CA5-4B29-B717-AB6F619EA33A}">
@@ -3037,17 +3345,17 @@
       </dsp:nvSpPr>
       <dsp:spPr>
         <a:xfrm>
-          <a:off x="0" y="3721793"/>
-          <a:ext cx="5457824" cy="453890"/>
+          <a:off x="0" y="3204967"/>
+          <a:ext cx="5457824" cy="374034"/>
         </a:xfrm>
         <a:prstGeom prst="roundRect">
           <a:avLst/>
         </a:prstGeom>
         <a:solidFill>
           <a:schemeClr val="accent5">
-            <a:hueOff val="-4915304"/>
-            <a:satOff val="-12668"/>
-            <a:lumOff val="-8556"/>
+            <a:hueOff val="-3862025"/>
+            <a:satOff val="-9954"/>
+            <a:lumOff val="-6723"/>
             <a:alphaOff val="0"/>
           </a:schemeClr>
         </a:solidFill>
@@ -3175,8 +3483,8 @@
         </a:p>
       </dsp:txBody>
       <dsp:txXfrm>
-        <a:off x="22157" y="3743950"/>
-        <a:ext cx="5413510" cy="409576"/>
+        <a:off x="18259" y="3223226"/>
+        <a:ext cx="5421306" cy="337516"/>
       </dsp:txXfrm>
     </dsp:sp>
     <dsp:sp modelId="{855C8D91-1E45-4477-BB5F-DD1F1A2ED70C}">
@@ -3186,17 +3494,17 @@
       </dsp:nvSpPr>
       <dsp:spPr>
         <a:xfrm>
-          <a:off x="0" y="4186864"/>
-          <a:ext cx="5457824" cy="453890"/>
+          <a:off x="0" y="3593401"/>
+          <a:ext cx="5457824" cy="374034"/>
         </a:xfrm>
         <a:prstGeom prst="roundRect">
           <a:avLst/>
         </a:prstGeom>
         <a:solidFill>
           <a:schemeClr val="accent5">
-            <a:hueOff val="-5529717"/>
-            <a:satOff val="-14252"/>
-            <a:lumOff val="-9626"/>
+            <a:hueOff val="-4344777"/>
+            <a:satOff val="-11198"/>
+            <a:lumOff val="-7563"/>
             <a:alphaOff val="0"/>
           </a:schemeClr>
         </a:solidFill>
@@ -3324,8 +3632,8 @@
         </a:p>
       </dsp:txBody>
       <dsp:txXfrm>
-        <a:off x="22157" y="4209021"/>
-        <a:ext cx="5413510" cy="409576"/>
+        <a:off x="18259" y="3611660"/>
+        <a:ext cx="5421306" cy="337516"/>
       </dsp:txXfrm>
     </dsp:sp>
     <dsp:sp modelId="{533A8AE7-0A4B-4EA2-83C7-89D835BD9642}">
@@ -3335,17 +3643,17 @@
       </dsp:nvSpPr>
       <dsp:spPr>
         <a:xfrm>
-          <a:off x="0" y="4651934"/>
-          <a:ext cx="5457824" cy="453890"/>
+          <a:off x="0" y="3981835"/>
+          <a:ext cx="5457824" cy="374034"/>
         </a:xfrm>
         <a:prstGeom prst="roundRect">
           <a:avLst/>
         </a:prstGeom>
         <a:solidFill>
           <a:schemeClr val="accent5">
-            <a:hueOff val="-6144130"/>
-            <a:satOff val="-15835"/>
-            <a:lumOff val="-10695"/>
+            <a:hueOff val="-4827531"/>
+            <a:satOff val="-12442"/>
+            <a:lumOff val="-8404"/>
             <a:alphaOff val="0"/>
           </a:schemeClr>
         </a:solidFill>
@@ -3424,8 +3732,8 @@
         </a:p>
       </dsp:txBody>
       <dsp:txXfrm>
-        <a:off x="22157" y="4674091"/>
-        <a:ext cx="5413510" cy="409576"/>
+        <a:off x="18259" y="4000094"/>
+        <a:ext cx="5421306" cy="337516"/>
       </dsp:txXfrm>
     </dsp:sp>
     <dsp:sp modelId="{B4B8190B-2891-42C7-8072-5DA26FF09F19}">
@@ -3435,8 +3743,334 @@
       </dsp:nvSpPr>
       <dsp:spPr>
         <a:xfrm>
-          <a:off x="0" y="5117005"/>
-          <a:ext cx="5457824" cy="453890"/>
+          <a:off x="0" y="4370270"/>
+          <a:ext cx="5457824" cy="374034"/>
+        </a:xfrm>
+        <a:prstGeom prst="roundRect">
+          <a:avLst/>
+        </a:prstGeom>
+        <a:solidFill>
+          <a:schemeClr val="accent5">
+            <a:hueOff val="-5310283"/>
+            <a:satOff val="-13686"/>
+            <a:lumOff val="-9244"/>
+            <a:alphaOff val="0"/>
+          </a:schemeClr>
+        </a:solidFill>
+        <a:ln w="12700" cap="flat" cmpd="sng" algn="ctr">
+          <a:solidFill>
+            <a:schemeClr val="lt1">
+              <a:hueOff val="0"/>
+              <a:satOff val="0"/>
+              <a:lumOff val="0"/>
+              <a:alphaOff val="0"/>
+            </a:schemeClr>
+          </a:solidFill>
+          <a:prstDash val="solid"/>
+          <a:miter lim="800000"/>
+        </a:ln>
+        <a:effectLst/>
+      </dsp:spPr>
+      <dsp:style>
+        <a:lnRef idx="2">
+          <a:scrgbClr r="0" g="0" b="0"/>
+        </a:lnRef>
+        <a:fillRef idx="1">
+          <a:scrgbClr r="0" g="0" b="0"/>
+        </a:fillRef>
+        <a:effectRef idx="0">
+          <a:scrgbClr r="0" g="0" b="0"/>
+        </a:effectRef>
+        <a:fontRef idx="minor">
+          <a:schemeClr val="lt1"/>
+        </a:fontRef>
+      </dsp:style>
+      <dsp:txBody>
+        <a:bodyPr spcFirstLastPara="0" vert="horz" wrap="square" lIns="91440" tIns="91440" rIns="91440" bIns="91440" numCol="1" spcCol="1270" anchor="ctr" anchorCtr="0">
+          <a:noAutofit/>
+        </a:bodyPr>
+        <a:lstStyle/>
+        <a:p>
+          <a:pPr marL="0" lvl="0" indent="0" algn="l" defTabSz="1066800" rtl="0">
+            <a:lnSpc>
+              <a:spcPct val="90000"/>
+            </a:lnSpc>
+            <a:spcBef>
+              <a:spcPct val="0"/>
+            </a:spcBef>
+            <a:spcAft>
+              <a:spcPct val="35000"/>
+            </a:spcAft>
+            <a:buNone/>
+          </a:pPr>
+          <a:r>
+            <a:rPr lang="en-US" sz="2400" i="0" u="none" kern="1200" dirty="0" err="1">
+              <a:effectLst>
+                <a:outerShdw blurRad="38100" dist="38100" dir="2700000" algn="tl">
+                  <a:srgbClr val="000000">
+                    <a:alpha val="43137"/>
+                  </a:srgbClr>
+                </a:outerShdw>
+              </a:effectLst>
+              <a:latin typeface="+mn-lt"/>
+            </a:rPr>
+            <a:t>olivia</a:t>
+          </a:r>
+          <a:r>
+            <a:rPr lang="en-US" sz="2400" i="0" u="none" kern="1200" dirty="0">
+              <a:effectLst>
+                <a:outerShdw blurRad="38100" dist="38100" dir="2700000" algn="tl">
+                  <a:srgbClr val="000000">
+                    <a:alpha val="43137"/>
+                  </a:srgbClr>
+                </a:outerShdw>
+              </a:effectLst>
+              <a:latin typeface="+mn-lt"/>
+            </a:rPr>
+            <a:t> server number</a:t>
+          </a:r>
+        </a:p>
+      </dsp:txBody>
+      <dsp:txXfrm>
+        <a:off x="18259" y="4388529"/>
+        <a:ext cx="5421306" cy="337516"/>
+      </dsp:txXfrm>
+    </dsp:sp>
+    <dsp:sp modelId="{205BD01C-53D0-41DC-ACF7-3B8F0576E668}">
+      <dsp:nvSpPr>
+        <dsp:cNvPr id="0" name=""/>
+        <dsp:cNvSpPr/>
+      </dsp:nvSpPr>
+      <dsp:spPr>
+        <a:xfrm>
+          <a:off x="0" y="4758704"/>
+          <a:ext cx="5457824" cy="374034"/>
+        </a:xfrm>
+        <a:prstGeom prst="roundRect">
+          <a:avLst/>
+        </a:prstGeom>
+        <a:solidFill>
+          <a:schemeClr val="accent5">
+            <a:hueOff val="-5793037"/>
+            <a:satOff val="-14931"/>
+            <a:lumOff val="-10084"/>
+            <a:alphaOff val="0"/>
+          </a:schemeClr>
+        </a:solidFill>
+        <a:ln w="12700" cap="flat" cmpd="sng" algn="ctr">
+          <a:solidFill>
+            <a:schemeClr val="lt1">
+              <a:hueOff val="0"/>
+              <a:satOff val="0"/>
+              <a:lumOff val="0"/>
+              <a:alphaOff val="0"/>
+            </a:schemeClr>
+          </a:solidFill>
+          <a:prstDash val="solid"/>
+          <a:miter lim="800000"/>
+        </a:ln>
+        <a:effectLst/>
+      </dsp:spPr>
+      <dsp:style>
+        <a:lnRef idx="2">
+          <a:scrgbClr r="0" g="0" b="0"/>
+        </a:lnRef>
+        <a:fillRef idx="1">
+          <a:scrgbClr r="0" g="0" b="0"/>
+        </a:fillRef>
+        <a:effectRef idx="0">
+          <a:scrgbClr r="0" g="0" b="0"/>
+        </a:effectRef>
+        <a:fontRef idx="minor">
+          <a:schemeClr val="lt1"/>
+        </a:fontRef>
+      </dsp:style>
+      <dsp:txBody>
+        <a:bodyPr spcFirstLastPara="0" vert="horz" wrap="square" lIns="91440" tIns="91440" rIns="91440" bIns="91440" numCol="1" spcCol="1270" anchor="ctr" anchorCtr="0">
+          <a:noAutofit/>
+        </a:bodyPr>
+        <a:lstStyle/>
+        <a:p>
+          <a:pPr marL="0" lvl="0" indent="0" algn="l" defTabSz="1066800" rtl="0">
+            <a:lnSpc>
+              <a:spcPct val="90000"/>
+            </a:lnSpc>
+            <a:spcBef>
+              <a:spcPct val="0"/>
+            </a:spcBef>
+            <a:spcAft>
+              <a:spcPct val="35000"/>
+            </a:spcAft>
+            <a:buNone/>
+          </a:pPr>
+          <a:r>
+            <a:rPr lang="en-US" sz="2400" i="0" u="none" kern="1200" dirty="0" err="1">
+              <a:effectLst>
+                <a:outerShdw blurRad="38100" dist="38100" dir="2700000" algn="tl">
+                  <a:srgbClr val="000000">
+                    <a:alpha val="43137"/>
+                  </a:srgbClr>
+                </a:outerShdw>
+              </a:effectLst>
+              <a:latin typeface="+mn-lt"/>
+            </a:rPr>
+            <a:t>olivia</a:t>
+          </a:r>
+          <a:r>
+            <a:rPr lang="en-US" sz="2400" i="0" u="none" kern="1200" dirty="0">
+              <a:effectLst>
+                <a:outerShdw blurRad="38100" dist="38100" dir="2700000" algn="tl">
+                  <a:srgbClr val="000000">
+                    <a:alpha val="43137"/>
+                  </a:srgbClr>
+                </a:outerShdw>
+              </a:effectLst>
+              <a:latin typeface="+mn-lt"/>
+            </a:rPr>
+            <a:t> checklist</a:t>
+          </a:r>
+        </a:p>
+      </dsp:txBody>
+      <dsp:txXfrm>
+        <a:off x="18259" y="4776963"/>
+        <a:ext cx="5421306" cy="337516"/>
+      </dsp:txXfrm>
+    </dsp:sp>
+    <dsp:sp modelId="{1EE854CF-9BE7-4CA5-A0B6-DC38B73F8D52}">
+      <dsp:nvSpPr>
+        <dsp:cNvPr id="0" name=""/>
+        <dsp:cNvSpPr/>
+      </dsp:nvSpPr>
+      <dsp:spPr>
+        <a:xfrm>
+          <a:off x="0" y="5147139"/>
+          <a:ext cx="5457824" cy="374034"/>
+        </a:xfrm>
+        <a:prstGeom prst="roundRect">
+          <a:avLst/>
+        </a:prstGeom>
+        <a:solidFill>
+          <a:schemeClr val="accent5">
+            <a:hueOff val="-6275789"/>
+            <a:satOff val="-16175"/>
+            <a:lumOff val="-10925"/>
+            <a:alphaOff val="0"/>
+          </a:schemeClr>
+        </a:solidFill>
+        <a:ln w="12700" cap="flat" cmpd="sng" algn="ctr">
+          <a:solidFill>
+            <a:schemeClr val="lt1">
+              <a:hueOff val="0"/>
+              <a:satOff val="0"/>
+              <a:lumOff val="0"/>
+              <a:alphaOff val="0"/>
+            </a:schemeClr>
+          </a:solidFill>
+          <a:prstDash val="solid"/>
+          <a:miter lim="800000"/>
+        </a:ln>
+        <a:effectLst/>
+      </dsp:spPr>
+      <dsp:style>
+        <a:lnRef idx="2">
+          <a:scrgbClr r="0" g="0" b="0"/>
+        </a:lnRef>
+        <a:fillRef idx="1">
+          <a:scrgbClr r="0" g="0" b="0"/>
+        </a:fillRef>
+        <a:effectRef idx="0">
+          <a:scrgbClr r="0" g="0" b="0"/>
+        </a:effectRef>
+        <a:fontRef idx="minor">
+          <a:schemeClr val="lt1"/>
+        </a:fontRef>
+      </dsp:style>
+      <dsp:txBody>
+        <a:bodyPr spcFirstLastPara="0" vert="horz" wrap="square" lIns="91440" tIns="91440" rIns="91440" bIns="91440" numCol="1" spcCol="1270" anchor="ctr" anchorCtr="0">
+          <a:noAutofit/>
+        </a:bodyPr>
+        <a:lstStyle/>
+        <a:p>
+          <a:pPr marL="0" lvl="0" indent="0" algn="l" defTabSz="1066800" rtl="0">
+            <a:lnSpc>
+              <a:spcPct val="90000"/>
+            </a:lnSpc>
+            <a:spcBef>
+              <a:spcPct val="0"/>
+            </a:spcBef>
+            <a:spcAft>
+              <a:spcPct val="35000"/>
+            </a:spcAft>
+            <a:buNone/>
+          </a:pPr>
+          <a:r>
+            <a:rPr lang="en-US" sz="2400" i="0" u="none" kern="1200" dirty="0" err="1">
+              <a:effectLst>
+                <a:outerShdw blurRad="38100" dist="38100" dir="2700000" algn="tl">
+                  <a:srgbClr val="000000">
+                    <a:alpha val="43137"/>
+                  </a:srgbClr>
+                </a:outerShdw>
+              </a:effectLst>
+              <a:latin typeface="+mn-lt"/>
+            </a:rPr>
+            <a:t>olivia</a:t>
+          </a:r>
+          <a:r>
+            <a:rPr lang="en-US" sz="2400" i="0" u="none" kern="1200" dirty="0">
+              <a:effectLst>
+                <a:outerShdw blurRad="38100" dist="38100" dir="2700000" algn="tl">
+                  <a:srgbClr val="000000">
+                    <a:alpha val="43137"/>
+                  </a:srgbClr>
+                </a:outerShdw>
+              </a:effectLst>
+              <a:latin typeface="+mn-lt"/>
+            </a:rPr>
+            <a:t> </a:t>
+          </a:r>
+          <a:r>
+            <a:rPr lang="en-US" sz="2400" i="0" u="none" kern="1200" dirty="0" err="1">
+              <a:effectLst>
+                <a:outerShdw blurRad="38100" dist="38100" dir="2700000" algn="tl">
+                  <a:srgbClr val="000000">
+                    <a:alpha val="43137"/>
+                  </a:srgbClr>
+                </a:outerShdw>
+              </a:effectLst>
+              <a:latin typeface="+mn-lt"/>
+            </a:rPr>
+            <a:t>ano</a:t>
+          </a:r>
+          <a:r>
+            <a:rPr lang="en-US" sz="2400" i="0" u="none" kern="1200" dirty="0">
+              <a:effectLst>
+                <a:outerShdw blurRad="38100" dist="38100" dir="2700000" algn="tl">
+                  <a:srgbClr val="000000">
+                    <a:alpha val="43137"/>
+                  </a:srgbClr>
+                </a:outerShdw>
+              </a:effectLst>
+              <a:latin typeface="+mn-lt"/>
+            </a:rPr>
+            <a:t> number [nickname/logger]</a:t>
+          </a:r>
+        </a:p>
+      </dsp:txBody>
+      <dsp:txXfrm>
+        <a:off x="18259" y="5165398"/>
+        <a:ext cx="5421306" cy="337516"/>
+      </dsp:txXfrm>
+    </dsp:sp>
+    <dsp:sp modelId="{386A165B-04E2-4447-BB61-CDA5F66D96E9}">
+      <dsp:nvSpPr>
+        <dsp:cNvPr id="0" name=""/>
+        <dsp:cNvSpPr/>
+      </dsp:nvSpPr>
+      <dsp:spPr>
+        <a:xfrm>
+          <a:off x="0" y="5535573"/>
+          <a:ext cx="5457824" cy="374034"/>
         </a:xfrm>
         <a:prstGeom prst="roundRect">
           <a:avLst/>
@@ -3519,13 +4153,39 @@
               </a:effectLst>
               <a:latin typeface="+mn-lt"/>
             </a:rPr>
-            <a:t> server number</a:t>
+            <a:t> </a:t>
+          </a:r>
+          <a:r>
+            <a:rPr lang="en-US" sz="2400" i="0" u="none" kern="1200" dirty="0" err="1">
+              <a:effectLst>
+                <a:outerShdw blurRad="38100" dist="38100" dir="2700000" algn="tl">
+                  <a:srgbClr val="000000">
+                    <a:alpha val="43137"/>
+                  </a:srgbClr>
+                </a:outerShdw>
+              </a:effectLst>
+              <a:latin typeface="+mn-lt"/>
+            </a:rPr>
+            <a:t>kanino</a:t>
+          </a:r>
+          <a:r>
+            <a:rPr lang="en-US" sz="2400" i="0" u="none" kern="1200" dirty="0">
+              <a:effectLst>
+                <a:outerShdw blurRad="38100" dist="38100" dir="2700000" algn="tl">
+                  <a:srgbClr val="000000">
+                    <a:alpha val="43137"/>
+                  </a:srgbClr>
+                </a:outerShdw>
+              </a:effectLst>
+              <a:latin typeface="+mn-lt"/>
+            </a:rPr>
+            <a:t> number</a:t>
           </a:r>
         </a:p>
       </dsp:txBody>
       <dsp:txXfrm>
-        <a:off x="22157" y="5139162"/>
-        <a:ext cx="5413510" cy="409576"/>
+        <a:off x="18259" y="5553832"/>
+        <a:ext cx="5421306" cy="337516"/>
       </dsp:txXfrm>
     </dsp:sp>
   </dsp:spTree>
@@ -4864,7 +5524,7 @@
           <a:p>
             <a:fld id="{ACD1130F-EC56-4997-931C-BCD7591359EB}" type="datetimeFigureOut">
               <a:rPr lang="en-US" smtClean="0"/>
-              <a:t>9/16/2021</a:t>
+              <a:t>10/7/2021</a:t>
             </a:fld>
             <a:endParaRPr lang="en-US"/>
           </a:p>
@@ -5034,7 +5694,7 @@
           <a:p>
             <a:fld id="{ACD1130F-EC56-4997-931C-BCD7591359EB}" type="datetimeFigureOut">
               <a:rPr lang="en-US" smtClean="0"/>
-              <a:t>9/16/2021</a:t>
+              <a:t>10/7/2021</a:t>
             </a:fld>
             <a:endParaRPr lang="en-US"/>
           </a:p>
@@ -5214,7 +5874,7 @@
           <a:p>
             <a:fld id="{ACD1130F-EC56-4997-931C-BCD7591359EB}" type="datetimeFigureOut">
               <a:rPr lang="en-US" smtClean="0"/>
-              <a:t>9/16/2021</a:t>
+              <a:t>10/7/2021</a:t>
             </a:fld>
             <a:endParaRPr lang="en-US"/>
           </a:p>
@@ -5384,7 +6044,7 @@
           <a:p>
             <a:fld id="{ACD1130F-EC56-4997-931C-BCD7591359EB}" type="datetimeFigureOut">
               <a:rPr lang="en-US" smtClean="0"/>
-              <a:t>9/16/2021</a:t>
+              <a:t>10/7/2021</a:t>
             </a:fld>
             <a:endParaRPr lang="en-US"/>
           </a:p>
@@ -5630,7 +6290,7 @@
           <a:p>
             <a:fld id="{ACD1130F-EC56-4997-931C-BCD7591359EB}" type="datetimeFigureOut">
               <a:rPr lang="en-US" smtClean="0"/>
-              <a:t>9/16/2021</a:t>
+              <a:t>10/7/2021</a:t>
             </a:fld>
             <a:endParaRPr lang="en-US"/>
           </a:p>
@@ -5862,7 +6522,7 @@
           <a:p>
             <a:fld id="{ACD1130F-EC56-4997-931C-BCD7591359EB}" type="datetimeFigureOut">
               <a:rPr lang="en-US" smtClean="0"/>
-              <a:t>9/16/2021</a:t>
+              <a:t>10/7/2021</a:t>
             </a:fld>
             <a:endParaRPr lang="en-US"/>
           </a:p>
@@ -6229,7 +6889,7 @@
           <a:p>
             <a:fld id="{ACD1130F-EC56-4997-931C-BCD7591359EB}" type="datetimeFigureOut">
               <a:rPr lang="en-US" smtClean="0"/>
-              <a:t>9/16/2021</a:t>
+              <a:t>10/7/2021</a:t>
             </a:fld>
             <a:endParaRPr lang="en-US"/>
           </a:p>
@@ -6347,7 +7007,7 @@
           <a:p>
             <a:fld id="{ACD1130F-EC56-4997-931C-BCD7591359EB}" type="datetimeFigureOut">
               <a:rPr lang="en-US" smtClean="0"/>
-              <a:t>9/16/2021</a:t>
+              <a:t>10/7/2021</a:t>
             </a:fld>
             <a:endParaRPr lang="en-US"/>
           </a:p>
@@ -6442,7 +7102,7 @@
           <a:p>
             <a:fld id="{ACD1130F-EC56-4997-931C-BCD7591359EB}" type="datetimeFigureOut">
               <a:rPr lang="en-US" smtClean="0"/>
-              <a:t>9/16/2021</a:t>
+              <a:t>10/7/2021</a:t>
             </a:fld>
             <a:endParaRPr lang="en-US"/>
           </a:p>
@@ -6719,7 +7379,7 @@
           <a:p>
             <a:fld id="{ACD1130F-EC56-4997-931C-BCD7591359EB}" type="datetimeFigureOut">
               <a:rPr lang="en-US" smtClean="0"/>
-              <a:t>9/16/2021</a:t>
+              <a:t>10/7/2021</a:t>
             </a:fld>
             <a:endParaRPr lang="en-US"/>
           </a:p>
@@ -6976,7 +7636,7 @@
           <a:p>
             <a:fld id="{ACD1130F-EC56-4997-931C-BCD7591359EB}" type="datetimeFigureOut">
               <a:rPr lang="en-US" smtClean="0"/>
-              <a:t>9/16/2021</a:t>
+              <a:t>10/7/2021</a:t>
             </a:fld>
             <a:endParaRPr lang="en-US"/>
           </a:p>
@@ -7189,7 +7849,7 @@
           <a:p>
             <a:fld id="{ACD1130F-EC56-4997-931C-BCD7591359EB}" type="datetimeFigureOut">
               <a:rPr lang="en-US" smtClean="0"/>
-              <a:t>9/16/2021</a:t>
+              <a:t>10/7/2021</a:t>
             </a:fld>
             <a:endParaRPr lang="en-US"/>
           </a:p>
@@ -8009,14 +8669,14 @@
             <p:ph idx="1"/>
             <p:extLst>
               <p:ext uri="{D42A27DB-BD31-4B8C-83A1-F6EECF244321}">
-                <p14:modId xmlns:p14="http://schemas.microsoft.com/office/powerpoint/2010/main" val="534464945"/>
+                <p14:modId xmlns:p14="http://schemas.microsoft.com/office/powerpoint/2010/main" val="1558998611"/>
               </p:ext>
             </p:extLst>
           </p:nvPr>
         </p:nvGraphicFramePr>
         <p:xfrm>
-          <a:off x="6091238" y="642938"/>
-          <a:ext cx="5457825" cy="5572125"/>
+          <a:off x="6091238" y="495300"/>
+          <a:ext cx="5457825" cy="6007100"/>
         </p:xfrm>
         <a:graphic>
           <a:graphicData uri="http://schemas.openxmlformats.org/drawingml/2006/diagram">

--- a/google/olivia_help.pptx
+++ b/google/olivia_help.pptx
@@ -1472,7 +1472,7 @@
         <a:lstStyle/>
         <a:p>
           <a:r>
-            <a:rPr lang="en-US" sz="2400" dirty="0" err="1">
+            <a:rPr lang="en-US" sz="2400">
               <a:effectLst>
                 <a:outerShdw blurRad="38100" dist="38100" dir="2700000" algn="tl">
                   <a:srgbClr val="000000">
@@ -1481,10 +1481,10 @@
                 </a:outerShdw>
               </a:effectLst>
             </a:rPr>
-            <a:t>olivia</a:t>
+            <a:t>olivia ping </a:t>
           </a:r>
           <a:r>
-            <a:rPr lang="en-US" sz="2400" dirty="0">
+            <a:rPr lang="en-US" sz="2400" i="1" u="none">
               <a:effectLst>
                 <a:outerShdw blurRad="38100" dist="38100" dir="2700000" algn="tl">
                   <a:srgbClr val="000000">
@@ -1493,53 +1493,17 @@
                 </a:outerShdw>
               </a:effectLst>
             </a:rPr>
-            <a:t> ping </a:t>
+            <a:t>[ip address]</a:t>
           </a:r>
-          <a:r>
-            <a:rPr lang="en-US" sz="2400" i="1" u="none" dirty="0">
-              <a:solidFill>
-                <a:schemeClr val="tx1"/>
-              </a:solidFill>
-              <a:effectLst>
-                <a:outerShdw blurRad="38100" dist="38100" dir="2700000" algn="tl">
-                  <a:srgbClr val="000000">
-                    <a:alpha val="43137"/>
-                  </a:srgbClr>
-                </a:outerShdw>
-              </a:effectLst>
-            </a:rPr>
-            <a:t>[</a:t>
-          </a:r>
-          <a:r>
-            <a:rPr lang="en-US" sz="2400" i="1" u="none" dirty="0" err="1">
-              <a:solidFill>
-                <a:schemeClr val="tx1"/>
-              </a:solidFill>
-              <a:effectLst>
-                <a:outerShdw blurRad="38100" dist="38100" dir="2700000" algn="tl">
-                  <a:srgbClr val="000000">
-                    <a:alpha val="43137"/>
-                  </a:srgbClr>
-                </a:outerShdw>
-              </a:effectLst>
-            </a:rPr>
-            <a:t>ip</a:t>
-          </a:r>
-          <a:r>
-            <a:rPr lang="en-US" sz="2400" i="1" u="none" dirty="0">
-              <a:solidFill>
-                <a:schemeClr val="tx1"/>
-              </a:solidFill>
-              <a:effectLst>
-                <a:outerShdw blurRad="38100" dist="38100" dir="2700000" algn="tl">
-                  <a:srgbClr val="000000">
-                    <a:alpha val="43137"/>
-                  </a:srgbClr>
-                </a:outerShdw>
-              </a:effectLst>
-            </a:rPr>
-            <a:t> address]</a:t>
-          </a:r>
+          <a:endParaRPr lang="en-US" sz="2400" i="1" u="none" dirty="0">
+            <a:effectLst>
+              <a:outerShdw blurRad="38100" dist="38100" dir="2700000" algn="tl">
+                <a:srgbClr val="000000">
+                  <a:alpha val="43137"/>
+                </a:srgbClr>
+              </a:outerShdw>
+            </a:effectLst>
+          </a:endParaRPr>
         </a:p>
       </dgm:t>
     </dgm:pt>
@@ -1573,10 +1537,7 @@
         <a:lstStyle/>
         <a:p>
           <a:r>
-            <a:rPr lang="en-US" sz="2400" i="0" u="none" dirty="0" err="1">
-              <a:solidFill>
-                <a:schemeClr val="tx1"/>
-              </a:solidFill>
+            <a:rPr lang="en-US" sz="2400" i="0" u="none">
               <a:effectLst>
                 <a:outerShdw blurRad="38100" dist="38100" dir="2700000" algn="tl">
                   <a:srgbClr val="000000">
@@ -1585,13 +1546,10 @@
                 </a:outerShdw>
               </a:effectLst>
             </a:rPr>
-            <a:t>olivia</a:t>
+            <a:t>olivia may data </a:t>
           </a:r>
           <a:r>
-            <a:rPr lang="en-US" sz="2400" i="0" u="none" dirty="0">
-              <a:solidFill>
-                <a:schemeClr val="tx1"/>
-              </a:solidFill>
+            <a:rPr lang="en-US" sz="2400" i="1" u="none">
               <a:effectLst>
                 <a:outerShdw blurRad="38100" dist="38100" dir="2700000" algn="tl">
                   <a:srgbClr val="000000">
@@ -1600,53 +1558,17 @@
                 </a:outerShdw>
               </a:effectLst>
             </a:rPr>
-            <a:t> may data </a:t>
+            <a:t>[sensor table_name]</a:t>
           </a:r>
-          <a:r>
-            <a:rPr lang="en-US" sz="2400" i="1" u="none" dirty="0">
-              <a:solidFill>
-                <a:schemeClr val="tx1"/>
-              </a:solidFill>
-              <a:effectLst>
-                <a:outerShdw blurRad="38100" dist="38100" dir="2700000" algn="tl">
-                  <a:srgbClr val="000000">
-                    <a:alpha val="43137"/>
-                  </a:srgbClr>
-                </a:outerShdw>
-              </a:effectLst>
-            </a:rPr>
-            <a:t>[sensor </a:t>
-          </a:r>
-          <a:r>
-            <a:rPr lang="en-US" sz="2400" i="1" u="none" dirty="0" err="1">
-              <a:solidFill>
-                <a:schemeClr val="tx1"/>
-              </a:solidFill>
-              <a:effectLst>
-                <a:outerShdw blurRad="38100" dist="38100" dir="2700000" algn="tl">
-                  <a:srgbClr val="000000">
-                    <a:alpha val="43137"/>
-                  </a:srgbClr>
-                </a:outerShdw>
-              </a:effectLst>
-            </a:rPr>
-            <a:t>table_name</a:t>
-          </a:r>
-          <a:r>
-            <a:rPr lang="en-US" sz="2400" i="1" u="none" dirty="0">
-              <a:solidFill>
-                <a:schemeClr val="tx1"/>
-              </a:solidFill>
-              <a:effectLst>
-                <a:outerShdw blurRad="38100" dist="38100" dir="2700000" algn="tl">
-                  <a:srgbClr val="000000">
-                    <a:alpha val="43137"/>
-                  </a:srgbClr>
-                </a:outerShdw>
-              </a:effectLst>
-            </a:rPr>
-            <a:t>]</a:t>
-          </a:r>
+          <a:endParaRPr lang="en-US" sz="2400" i="1" u="none" dirty="0">
+            <a:effectLst>
+              <a:outerShdw blurRad="38100" dist="38100" dir="2700000" algn="tl">
+                <a:srgbClr val="000000">
+                  <a:alpha val="43137"/>
+                </a:srgbClr>
+              </a:outerShdw>
+            </a:effectLst>
+          </a:endParaRPr>
         </a:p>
       </dgm:t>
     </dgm:pt>
@@ -1680,10 +1602,7 @@
         <a:lstStyle/>
         <a:p>
           <a:r>
-            <a:rPr lang="en-US" sz="2400" i="0" u="none" dirty="0" err="1">
-              <a:solidFill>
-                <a:schemeClr val="tx1"/>
-              </a:solidFill>
+            <a:rPr lang="en-US" sz="2400" i="0" u="none">
               <a:effectLst>
                 <a:outerShdw blurRad="38100" dist="38100" dir="2700000" algn="tl">
                   <a:srgbClr val="000000">
@@ -1692,13 +1611,10 @@
                 </a:outerShdw>
               </a:effectLst>
             </a:rPr>
-            <a:t>olivia</a:t>
+            <a:t>olivia check site </a:t>
           </a:r>
           <a:r>
-            <a:rPr lang="en-US" sz="2400" i="0" u="none" dirty="0">
-              <a:solidFill>
-                <a:schemeClr val="tx1"/>
-              </a:solidFill>
+            <a:rPr lang="en-US" sz="2400" i="1" u="none">
               <a:effectLst>
                 <a:outerShdw blurRad="38100" dist="38100" dir="2700000" algn="tl">
                   <a:srgbClr val="000000">
@@ -1707,53 +1623,17 @@
                 </a:outerShdw>
               </a:effectLst>
             </a:rPr>
-            <a:t> check site </a:t>
+            <a:t>[site_code]</a:t>
           </a:r>
-          <a:r>
-            <a:rPr lang="en-US" sz="2400" i="1" u="none" dirty="0">
-              <a:solidFill>
-                <a:schemeClr val="tx1"/>
-              </a:solidFill>
-              <a:effectLst>
-                <a:outerShdw blurRad="38100" dist="38100" dir="2700000" algn="tl">
-                  <a:srgbClr val="000000">
-                    <a:alpha val="43137"/>
-                  </a:srgbClr>
-                </a:outerShdw>
-              </a:effectLst>
-            </a:rPr>
-            <a:t>[</a:t>
-          </a:r>
-          <a:r>
-            <a:rPr lang="en-US" sz="2400" i="1" u="none" dirty="0" err="1">
-              <a:solidFill>
-                <a:schemeClr val="tx1"/>
-              </a:solidFill>
-              <a:effectLst>
-                <a:outerShdw blurRad="38100" dist="38100" dir="2700000" algn="tl">
-                  <a:srgbClr val="000000">
-                    <a:alpha val="43137"/>
-                  </a:srgbClr>
-                </a:outerShdw>
-              </a:effectLst>
-            </a:rPr>
-            <a:t>site_code</a:t>
-          </a:r>
-          <a:r>
-            <a:rPr lang="en-US" sz="2400" i="1" u="none" dirty="0">
-              <a:solidFill>
-                <a:schemeClr val="tx1"/>
-              </a:solidFill>
-              <a:effectLst>
-                <a:outerShdw blurRad="38100" dist="38100" dir="2700000" algn="tl">
-                  <a:srgbClr val="000000">
-                    <a:alpha val="43137"/>
-                  </a:srgbClr>
-                </a:outerShdw>
-              </a:effectLst>
-            </a:rPr>
-            <a:t>]</a:t>
-          </a:r>
+          <a:endParaRPr lang="en-US" sz="2400" i="1" u="none" dirty="0">
+            <a:effectLst>
+              <a:outerShdw blurRad="38100" dist="38100" dir="2700000" algn="tl">
+                <a:srgbClr val="000000">
+                  <a:alpha val="43137"/>
+                </a:srgbClr>
+              </a:outerShdw>
+            </a:effectLst>
+          </a:endParaRPr>
         </a:p>
       </dgm:t>
     </dgm:pt>
@@ -2126,7 +2006,66 @@
         </a:p>
       </dgm:t>
     </dgm:pt>
-    <dgm:pt modelId="{482831EA-3DBD-460B-A906-08DF721ACF24}" type="pres">
+    <dgm:pt modelId="{639B8C47-8E35-4A82-9CF6-BD457202E323}">
+      <dgm:prSet phldr="0" custT="1"/>
+      <dgm:spPr/>
+      <dgm:t>
+        <a:bodyPr/>
+        <a:lstStyle/>
+        <a:p>
+          <a:pPr rtl="0"/>
+          <a:r>
+            <a:rPr lang="en-US" sz="2400" i="0" u="none" dirty="0" err="1">
+              <a:effectLst>
+                <a:outerShdw blurRad="38100" dist="38100" dir="2700000" algn="tl">
+                  <a:srgbClr val="000000">
+                    <a:alpha val="43137"/>
+                  </a:srgbClr>
+                </a:outerShdw>
+              </a:effectLst>
+              <a:latin typeface="+mn-lt"/>
+            </a:rPr>
+            <a:t>olivia</a:t>
+          </a:r>
+          <a:r>
+            <a:rPr lang="en-US" sz="2400" i="0" u="none" dirty="0">
+              <a:effectLst>
+                <a:outerShdw blurRad="38100" dist="38100" dir="2700000" algn="tl">
+                  <a:srgbClr val="000000">
+                    <a:alpha val="43137"/>
+                  </a:srgbClr>
+                </a:outerShdw>
+              </a:effectLst>
+              <a:latin typeface="+mn-lt"/>
+            </a:rPr>
+            <a:t> ops checker</a:t>
+          </a:r>
+        </a:p>
+      </dgm:t>
+    </dgm:pt>
+    <dgm:pt modelId="{9607E5D0-1489-482E-B71F-3E32386C224C}" type="parTrans" cxnId="{C1426260-0337-48BF-BEF0-E35C622F02D9}">
+      <dgm:prSet/>
+      <dgm:spPr/>
+      <dgm:t>
+        <a:bodyPr/>
+        <a:lstStyle/>
+        <a:p>
+          <a:endParaRPr lang="en-PH"/>
+        </a:p>
+      </dgm:t>
+    </dgm:pt>
+    <dgm:pt modelId="{3778FFCC-3154-4D06-9195-E2A633357432}" type="sibTrans" cxnId="{C1426260-0337-48BF-BEF0-E35C622F02D9}">
+      <dgm:prSet/>
+      <dgm:spPr/>
+      <dgm:t>
+        <a:bodyPr/>
+        <a:lstStyle/>
+        <a:p>
+          <a:endParaRPr lang="en-PH"/>
+        </a:p>
+      </dgm:t>
+    </dgm:pt>
+    <dgm:pt modelId="{0652018C-AED2-4D35-B5CC-B563941441D3}" type="pres">
       <dgm:prSet presAssocID="{98215B50-9504-4A40-989C-D2FBCDC99796}" presName="linear" presStyleCnt="0">
         <dgm:presLayoutVars>
           <dgm:animLvl val="lvl"/>
@@ -2135,8 +2074,8 @@
       </dgm:prSet>
       <dgm:spPr/>
     </dgm:pt>
-    <dgm:pt modelId="{19E2F9BC-F3CC-4737-A5FE-75AA42E0ACDE}" type="pres">
-      <dgm:prSet presAssocID="{214F9E82-B142-4E12-9DC9-12C26A01CDF7}" presName="parentText" presStyleLbl="node1" presStyleIdx="0" presStyleCnt="15">
+    <dgm:pt modelId="{9B3D2718-C7FA-4C3F-9AE4-E883C464B548}" type="pres">
+      <dgm:prSet presAssocID="{214F9E82-B142-4E12-9DC9-12C26A01CDF7}" presName="parentText" presStyleLbl="node1" presStyleIdx="0" presStyleCnt="16">
         <dgm:presLayoutVars>
           <dgm:chMax val="0"/>
           <dgm:bulletEnabled val="1"/>
@@ -2144,12 +2083,12 @@
       </dgm:prSet>
       <dgm:spPr/>
     </dgm:pt>
-    <dgm:pt modelId="{A3B39923-CA03-4BCF-9518-36DECE1BD2E0}" type="pres">
+    <dgm:pt modelId="{E7677351-B39D-4337-8209-1BEDB8DE35E2}" type="pres">
       <dgm:prSet presAssocID="{94CF81F1-F1F7-4E00-8857-FBEAFBCE5C23}" presName="spacer" presStyleCnt="0"/>
       <dgm:spPr/>
     </dgm:pt>
-    <dgm:pt modelId="{DB6AF47B-488C-43AA-B7DA-922C367A07B7}" type="pres">
-      <dgm:prSet presAssocID="{26C303A4-3EFC-41FF-8CBA-77C991B80472}" presName="parentText" presStyleLbl="node1" presStyleIdx="1" presStyleCnt="15">
+    <dgm:pt modelId="{E6CF3C69-599F-4AEC-A4F3-C457DBB2A180}" type="pres">
+      <dgm:prSet presAssocID="{26C303A4-3EFC-41FF-8CBA-77C991B80472}" presName="parentText" presStyleLbl="node1" presStyleIdx="1" presStyleCnt="16">
         <dgm:presLayoutVars>
           <dgm:chMax val="0"/>
           <dgm:bulletEnabled val="1"/>
@@ -2157,12 +2096,12 @@
       </dgm:prSet>
       <dgm:spPr/>
     </dgm:pt>
-    <dgm:pt modelId="{D677FD25-BAE5-4F9A-854F-A1F02EF8F484}" type="pres">
+    <dgm:pt modelId="{FF06AED8-0EE7-4764-AF12-5E8334E4C5E1}" type="pres">
       <dgm:prSet presAssocID="{2886419E-6659-4F44-9E52-BC62DF695FE3}" presName="spacer" presStyleCnt="0"/>
       <dgm:spPr/>
     </dgm:pt>
-    <dgm:pt modelId="{FE35FEFD-BCE6-43A7-B93C-B201FC64E570}" type="pres">
-      <dgm:prSet presAssocID="{D6E61F26-81B9-4B62-BADD-0E0292E5001C}" presName="parentText" presStyleLbl="node1" presStyleIdx="2" presStyleCnt="15">
+    <dgm:pt modelId="{B724B1B7-850D-4BAF-B662-03C90C92556E}" type="pres">
+      <dgm:prSet presAssocID="{D6E61F26-81B9-4B62-BADD-0E0292E5001C}" presName="parentText" presStyleLbl="node1" presStyleIdx="2" presStyleCnt="16">
         <dgm:presLayoutVars>
           <dgm:chMax val="0"/>
           <dgm:bulletEnabled val="1"/>
@@ -2170,12 +2109,12 @@
       </dgm:prSet>
       <dgm:spPr/>
     </dgm:pt>
-    <dgm:pt modelId="{B4C889E6-126E-40D4-A678-893F9715ED6C}" type="pres">
+    <dgm:pt modelId="{54DC0D46-66C9-40DC-86B0-60D84A9F6F09}" type="pres">
       <dgm:prSet presAssocID="{101F192D-0DA6-4A7F-A569-3F4DAB5283C0}" presName="spacer" presStyleCnt="0"/>
       <dgm:spPr/>
     </dgm:pt>
-    <dgm:pt modelId="{951DA4C9-83AB-468A-AB06-088C160529DA}" type="pres">
-      <dgm:prSet presAssocID="{B7A0A0A1-7D86-4A66-AAFC-4E2C1D3B1F56}" presName="parentText" presStyleLbl="node1" presStyleIdx="3" presStyleCnt="15">
+    <dgm:pt modelId="{4BB6C1F8-75A4-4C25-92D5-64450BEEAC50}" type="pres">
+      <dgm:prSet presAssocID="{B7A0A0A1-7D86-4A66-AAFC-4E2C1D3B1F56}" presName="parentText" presStyleLbl="node1" presStyleIdx="3" presStyleCnt="16">
         <dgm:presLayoutVars>
           <dgm:chMax val="0"/>
           <dgm:bulletEnabled val="1"/>
@@ -2183,12 +2122,12 @@
       </dgm:prSet>
       <dgm:spPr/>
     </dgm:pt>
-    <dgm:pt modelId="{F301F7C8-C498-437D-A3BE-A216607DAB1D}" type="pres">
+    <dgm:pt modelId="{3D6E96C0-7B50-4E44-977A-73B86C99C296}" type="pres">
       <dgm:prSet presAssocID="{9643EFBB-34CF-4DC4-A9C6-1819B35368EE}" presName="spacer" presStyleCnt="0"/>
       <dgm:spPr/>
     </dgm:pt>
-    <dgm:pt modelId="{EF41CD9B-D98C-4D43-8DDA-F730EC53226C}" type="pres">
-      <dgm:prSet presAssocID="{358548BA-CEDB-41BE-9655-D918CEB97FF7}" presName="parentText" presStyleLbl="node1" presStyleIdx="4" presStyleCnt="15">
+    <dgm:pt modelId="{AF9C546C-1BCE-426C-A814-D336A7D1D725}" type="pres">
+      <dgm:prSet presAssocID="{358548BA-CEDB-41BE-9655-D918CEB97FF7}" presName="parentText" presStyleLbl="node1" presStyleIdx="4" presStyleCnt="16">
         <dgm:presLayoutVars>
           <dgm:chMax val="0"/>
           <dgm:bulletEnabled val="1"/>
@@ -2196,12 +2135,12 @@
       </dgm:prSet>
       <dgm:spPr/>
     </dgm:pt>
-    <dgm:pt modelId="{879F46DE-38E4-4408-8FDB-65DCE056E85E}" type="pres">
+    <dgm:pt modelId="{EDDD584E-B6FD-4039-BED3-C668E3AEE28A}" type="pres">
       <dgm:prSet presAssocID="{C58471F2-1D6A-4EEE-BF15-42396C0093CA}" presName="spacer" presStyleCnt="0"/>
       <dgm:spPr/>
     </dgm:pt>
-    <dgm:pt modelId="{B2DEB886-67AD-4D10-B473-E722B128C37E}" type="pres">
-      <dgm:prSet presAssocID="{271F90CA-E68D-4DF3-9187-D5627130083A}" presName="parentText" presStyleLbl="node1" presStyleIdx="5" presStyleCnt="15">
+    <dgm:pt modelId="{8A954AAC-D17D-4BDE-9A6E-E97EE85CCE38}" type="pres">
+      <dgm:prSet presAssocID="{271F90CA-E68D-4DF3-9187-D5627130083A}" presName="parentText" presStyleLbl="node1" presStyleIdx="5" presStyleCnt="16">
         <dgm:presLayoutVars>
           <dgm:chMax val="0"/>
           <dgm:bulletEnabled val="1"/>
@@ -2209,12 +2148,12 @@
       </dgm:prSet>
       <dgm:spPr/>
     </dgm:pt>
-    <dgm:pt modelId="{1CD65F94-5254-4249-BF73-200EBF3D192B}" type="pres">
+    <dgm:pt modelId="{A21BB681-9392-45D4-9CDD-386CF71DD3B8}" type="pres">
       <dgm:prSet presAssocID="{9BBBDA80-95A9-4D39-A6CE-8A844DB33363}" presName="spacer" presStyleCnt="0"/>
       <dgm:spPr/>
     </dgm:pt>
-    <dgm:pt modelId="{113115EB-A218-444F-89FD-EC4E0D759E82}" type="pres">
-      <dgm:prSet presAssocID="{D036B2B1-3E7E-4F9A-BD15-7E1371DD27CB}" presName="parentText" presStyleLbl="node1" presStyleIdx="6" presStyleCnt="15">
+    <dgm:pt modelId="{93C90D32-C198-49CC-BD31-E762BEFDABC9}" type="pres">
+      <dgm:prSet presAssocID="{D036B2B1-3E7E-4F9A-BD15-7E1371DD27CB}" presName="parentText" presStyleLbl="node1" presStyleIdx="6" presStyleCnt="16">
         <dgm:presLayoutVars>
           <dgm:chMax val="0"/>
           <dgm:bulletEnabled val="1"/>
@@ -2222,12 +2161,12 @@
       </dgm:prSet>
       <dgm:spPr/>
     </dgm:pt>
-    <dgm:pt modelId="{16530BAE-49A3-4F9E-B783-5B75A1334FBB}" type="pres">
+    <dgm:pt modelId="{300BA039-ACD5-4C60-84CE-0412FD53BF6B}" type="pres">
       <dgm:prSet presAssocID="{1CF6187C-4FF8-44B2-99BB-1BA45325CB3E}" presName="spacer" presStyleCnt="0"/>
       <dgm:spPr/>
     </dgm:pt>
-    <dgm:pt modelId="{3F7AA4BD-5BA9-4859-9E1B-F8A570717966}" type="pres">
-      <dgm:prSet presAssocID="{4271B710-9928-47FD-8E14-FED3B04D61BA}" presName="parentText" presStyleLbl="node1" presStyleIdx="7" presStyleCnt="15">
+    <dgm:pt modelId="{0BD2D07F-3D44-41BB-A4DC-0CC93AEEB21F}" type="pres">
+      <dgm:prSet presAssocID="{4271B710-9928-47FD-8E14-FED3B04D61BA}" presName="parentText" presStyleLbl="node1" presStyleIdx="7" presStyleCnt="16">
         <dgm:presLayoutVars>
           <dgm:chMax val="0"/>
           <dgm:bulletEnabled val="1"/>
@@ -2235,12 +2174,12 @@
       </dgm:prSet>
       <dgm:spPr/>
     </dgm:pt>
-    <dgm:pt modelId="{AAEF1076-7C02-4A35-ACC6-787BF5C07A4B}" type="pres">
+    <dgm:pt modelId="{A10C61FC-B7F0-4B48-9F87-9837963ED70B}" type="pres">
       <dgm:prSet presAssocID="{B4C7A795-EFB4-4C96-B482-CC16261346EF}" presName="spacer" presStyleCnt="0"/>
       <dgm:spPr/>
     </dgm:pt>
-    <dgm:pt modelId="{FF6D061E-8CA5-4B29-B717-AB6F619EA33A}" type="pres">
-      <dgm:prSet presAssocID="{ABB87E2D-4656-4B45-AE63-687459A895E5}" presName="parentText" presStyleLbl="node1" presStyleIdx="8" presStyleCnt="15">
+    <dgm:pt modelId="{43C2363B-FC21-40B8-BB78-133F84A329AC}" type="pres">
+      <dgm:prSet presAssocID="{ABB87E2D-4656-4B45-AE63-687459A895E5}" presName="parentText" presStyleLbl="node1" presStyleIdx="8" presStyleCnt="16">
         <dgm:presLayoutVars>
           <dgm:chMax val="0"/>
           <dgm:bulletEnabled val="1"/>
@@ -2248,12 +2187,12 @@
       </dgm:prSet>
       <dgm:spPr/>
     </dgm:pt>
-    <dgm:pt modelId="{29A35DF7-EEB8-4BBE-8C2F-A12CD8AD9E15}" type="pres">
+    <dgm:pt modelId="{8B8E60F3-BD3E-475D-BDDF-6C2D6FC0A322}" type="pres">
       <dgm:prSet presAssocID="{A6F6D395-1E2D-4AF6-A46F-AAC4836F12A4}" presName="spacer" presStyleCnt="0"/>
       <dgm:spPr/>
     </dgm:pt>
-    <dgm:pt modelId="{855C8D91-1E45-4477-BB5F-DD1F1A2ED70C}" type="pres">
-      <dgm:prSet presAssocID="{E96BA869-1B6F-4F26-9FE0-2F51CD34BC44}" presName="parentText" presStyleLbl="node1" presStyleIdx="9" presStyleCnt="15">
+    <dgm:pt modelId="{E291534D-56D2-4ED3-A186-534C04E8E8E6}" type="pres">
+      <dgm:prSet presAssocID="{E96BA869-1B6F-4F26-9FE0-2F51CD34BC44}" presName="parentText" presStyleLbl="node1" presStyleIdx="9" presStyleCnt="16">
         <dgm:presLayoutVars>
           <dgm:chMax val="0"/>
           <dgm:bulletEnabled val="1"/>
@@ -2261,12 +2200,12 @@
       </dgm:prSet>
       <dgm:spPr/>
     </dgm:pt>
-    <dgm:pt modelId="{EC217D62-7702-4416-83C0-957D6B3A6177}" type="pres">
+    <dgm:pt modelId="{684D70CD-CCFD-495B-B118-E76FC0457246}" type="pres">
       <dgm:prSet presAssocID="{F48ACB3C-5096-4EEF-AA75-1BB8CC4FB36B}" presName="spacer" presStyleCnt="0"/>
       <dgm:spPr/>
     </dgm:pt>
-    <dgm:pt modelId="{533A8AE7-0A4B-4EA2-83C7-89D835BD9642}" type="pres">
-      <dgm:prSet presAssocID="{9629022B-9CE8-420C-88A4-05F8ACAC9BE0}" presName="parentText" presStyleLbl="node1" presStyleIdx="10" presStyleCnt="15">
+    <dgm:pt modelId="{47703380-86BF-4C00-83F5-2C1E6A3EF0EE}" type="pres">
+      <dgm:prSet presAssocID="{9629022B-9CE8-420C-88A4-05F8ACAC9BE0}" presName="parentText" presStyleLbl="node1" presStyleIdx="10" presStyleCnt="16">
         <dgm:presLayoutVars>
           <dgm:chMax val="0"/>
           <dgm:bulletEnabled val="1"/>
@@ -2274,12 +2213,12 @@
       </dgm:prSet>
       <dgm:spPr/>
     </dgm:pt>
-    <dgm:pt modelId="{C0D0129A-2DF7-43B3-B726-AF85B95A57D2}" type="pres">
+    <dgm:pt modelId="{5BD03F98-E6F6-40E0-A04C-DAA6D59003CF}" type="pres">
       <dgm:prSet presAssocID="{64F3D272-925A-4C2A-9D8C-326C8A65DE3D}" presName="spacer" presStyleCnt="0"/>
       <dgm:spPr/>
     </dgm:pt>
-    <dgm:pt modelId="{B4B8190B-2891-42C7-8072-5DA26FF09F19}" type="pres">
-      <dgm:prSet presAssocID="{C4344EC9-6F89-4250-9CB4-1B93F5DC2463}" presName="parentText" presStyleLbl="node1" presStyleIdx="11" presStyleCnt="15">
+    <dgm:pt modelId="{EAFD6C7D-B040-4394-A5D4-F83D540300E7}" type="pres">
+      <dgm:prSet presAssocID="{C4344EC9-6F89-4250-9CB4-1B93F5DC2463}" presName="parentText" presStyleLbl="node1" presStyleIdx="11" presStyleCnt="16">
         <dgm:presLayoutVars>
           <dgm:chMax val="0"/>
           <dgm:bulletEnabled val="1"/>
@@ -2287,12 +2226,12 @@
       </dgm:prSet>
       <dgm:spPr/>
     </dgm:pt>
-    <dgm:pt modelId="{233A4749-5F2F-4CAE-80CE-27409212A946}" type="pres">
+    <dgm:pt modelId="{89400572-E972-473A-BA62-A487C5451A08}" type="pres">
       <dgm:prSet presAssocID="{91DF7C24-0AC8-406E-BB41-E230A25517DF}" presName="spacer" presStyleCnt="0"/>
       <dgm:spPr/>
     </dgm:pt>
-    <dgm:pt modelId="{205BD01C-53D0-41DC-ACF7-3B8F0576E668}" type="pres">
-      <dgm:prSet presAssocID="{1414CB55-05B5-4C02-99F8-14390BFDDBF0}" presName="parentText" presStyleLbl="node1" presStyleIdx="12" presStyleCnt="15">
+    <dgm:pt modelId="{3BAEFDA0-4D53-411B-9104-9A2A104B8891}" type="pres">
+      <dgm:prSet presAssocID="{1414CB55-05B5-4C02-99F8-14390BFDDBF0}" presName="parentText" presStyleLbl="node1" presStyleIdx="12" presStyleCnt="16">
         <dgm:presLayoutVars>
           <dgm:chMax val="0"/>
           <dgm:bulletEnabled val="1"/>
@@ -2300,12 +2239,12 @@
       </dgm:prSet>
       <dgm:spPr/>
     </dgm:pt>
-    <dgm:pt modelId="{424BF8D1-684D-4385-AE8D-8B0E4C114BA4}" type="pres">
+    <dgm:pt modelId="{64C394C9-CA66-43CD-8C97-42975D832C0A}" type="pres">
       <dgm:prSet presAssocID="{500FC536-3CC3-4E6E-9930-C2E53F7B4046}" presName="spacer" presStyleCnt="0"/>
       <dgm:spPr/>
     </dgm:pt>
-    <dgm:pt modelId="{1EE854CF-9BE7-4CA5-A0B6-DC38B73F8D52}" type="pres">
-      <dgm:prSet presAssocID="{6AD3977E-4573-4CDF-97AD-321C0C38DBAD}" presName="parentText" presStyleLbl="node1" presStyleIdx="13" presStyleCnt="15">
+    <dgm:pt modelId="{9C5561C9-DA0D-4319-B79D-14ECE8986902}" type="pres">
+      <dgm:prSet presAssocID="{6AD3977E-4573-4CDF-97AD-321C0C38DBAD}" presName="parentText" presStyleLbl="node1" presStyleIdx="13" presStyleCnt="16">
         <dgm:presLayoutVars>
           <dgm:chMax val="0"/>
           <dgm:bulletEnabled val="1"/>
@@ -2313,12 +2252,25 @@
       </dgm:prSet>
       <dgm:spPr/>
     </dgm:pt>
-    <dgm:pt modelId="{3E511DCC-18CF-456F-9BBA-4A94962E7BFC}" type="pres">
+    <dgm:pt modelId="{CF559FEB-18CD-4B93-A685-91992BEB6619}" type="pres">
       <dgm:prSet presAssocID="{1910FB6B-B23C-41F3-B0EA-5A4C5C062889}" presName="spacer" presStyleCnt="0"/>
       <dgm:spPr/>
     </dgm:pt>
-    <dgm:pt modelId="{386A165B-04E2-4447-BB61-CDA5F66D96E9}" type="pres">
-      <dgm:prSet presAssocID="{715AA07E-F50C-4C3D-BB23-747FEA4AD6D7}" presName="parentText" presStyleLbl="node1" presStyleIdx="14" presStyleCnt="15">
+    <dgm:pt modelId="{5B271C85-24E6-4F47-BD10-75A2BE9550F6}" type="pres">
+      <dgm:prSet presAssocID="{715AA07E-F50C-4C3D-BB23-747FEA4AD6D7}" presName="parentText" presStyleLbl="node1" presStyleIdx="14" presStyleCnt="16">
+        <dgm:presLayoutVars>
+          <dgm:chMax val="0"/>
+          <dgm:bulletEnabled val="1"/>
+        </dgm:presLayoutVars>
+      </dgm:prSet>
+      <dgm:spPr/>
+    </dgm:pt>
+    <dgm:pt modelId="{C672B999-2150-4025-B01B-F92B97BA8A5E}" type="pres">
+      <dgm:prSet presAssocID="{CA82AE89-2807-4676-9584-418C7C8D5277}" presName="spacer" presStyleCnt="0"/>
+      <dgm:spPr/>
+    </dgm:pt>
+    <dgm:pt modelId="{C4170D98-EC85-4FFC-B72A-B48CC829CA79}" type="pres">
+      <dgm:prSet presAssocID="{639B8C47-8E35-4A82-9CF6-BD457202E323}" presName="parentText" presStyleLbl="node1" presStyleIdx="15" presStyleCnt="16">
         <dgm:presLayoutVars>
           <dgm:chMax val="0"/>
           <dgm:bulletEnabled val="1"/>
@@ -2329,65 +2281,69 @@
   </dgm:ptLst>
   <dgm:cxnLst>
     <dgm:cxn modelId="{3874AA00-1D20-42AD-A555-6FBF79019886}" srcId="{98215B50-9504-4A40-989C-D2FBCDC99796}" destId="{9629022B-9CE8-420C-88A4-05F8ACAC9BE0}" srcOrd="10" destOrd="0" parTransId="{FF6C1D2B-4C70-4ADC-9167-0A731686B115}" sibTransId="{64F3D272-925A-4C2A-9D8C-326C8A65DE3D}"/>
+    <dgm:cxn modelId="{46132D02-7BC2-46CD-90F1-5219519C3D1E}" type="presOf" srcId="{D036B2B1-3E7E-4F9A-BD15-7E1371DD27CB}" destId="{93C90D32-C198-49CC-BD31-E762BEFDABC9}" srcOrd="0" destOrd="0" presId="urn:microsoft.com/office/officeart/2005/8/layout/vList2"/>
     <dgm:cxn modelId="{149E8610-E1B1-452F-90EE-86ED9A0AB225}" srcId="{98215B50-9504-4A40-989C-D2FBCDC99796}" destId="{6AD3977E-4573-4CDF-97AD-321C0C38DBAD}" srcOrd="13" destOrd="0" parTransId="{2567FF4E-94A0-4933-A6C6-A695A7FDA019}" sibTransId="{1910FB6B-B23C-41F3-B0EA-5A4C5C062889}"/>
     <dgm:cxn modelId="{3345D211-AA89-49EC-8C84-551FF10D363C}" srcId="{98215B50-9504-4A40-989C-D2FBCDC99796}" destId="{715AA07E-F50C-4C3D-BB23-747FEA4AD6D7}" srcOrd="14" destOrd="0" parTransId="{D5CB6829-2B66-4530-AE3B-E542436319B2}" sibTransId="{CA82AE89-2807-4676-9584-418C7C8D5277}"/>
+    <dgm:cxn modelId="{0A000112-D608-41DF-AA55-B936D1CDE773}" type="presOf" srcId="{6AD3977E-4573-4CDF-97AD-321C0C38DBAD}" destId="{9C5561C9-DA0D-4319-B79D-14ECE8986902}" srcOrd="0" destOrd="0" presId="urn:microsoft.com/office/officeart/2005/8/layout/vList2"/>
+    <dgm:cxn modelId="{44EC5626-E57F-404D-B90A-F0A93BA21788}" type="presOf" srcId="{358548BA-CEDB-41BE-9655-D918CEB97FF7}" destId="{AF9C546C-1BCE-426C-A814-D336A7D1D725}" srcOrd="0" destOrd="0" presId="urn:microsoft.com/office/officeart/2005/8/layout/vList2"/>
     <dgm:cxn modelId="{D5FEF72A-6748-46B9-95FA-3D905226D5C9}" srcId="{98215B50-9504-4A40-989C-D2FBCDC99796}" destId="{C4344EC9-6F89-4250-9CB4-1B93F5DC2463}" srcOrd="11" destOrd="0" parTransId="{8B0C69E0-3103-4312-88BF-263CDB5D925E}" sibTransId="{91DF7C24-0AC8-406E-BB41-E230A25517DF}"/>
-    <dgm:cxn modelId="{CE004735-EE0A-4F02-A777-941216508285}" type="presOf" srcId="{C4344EC9-6F89-4250-9CB4-1B93F5DC2463}" destId="{B4B8190B-2891-42C7-8072-5DA26FF09F19}" srcOrd="0" destOrd="0" presId="urn:microsoft.com/office/officeart/2005/8/layout/vList2"/>
+    <dgm:cxn modelId="{A62E5136-E62B-4E91-B9F1-0B902F9B110D}" type="presOf" srcId="{26C303A4-3EFC-41FF-8CBA-77C991B80472}" destId="{E6CF3C69-599F-4AEC-A4F3-C457DBB2A180}" srcOrd="0" destOrd="0" presId="urn:microsoft.com/office/officeart/2005/8/layout/vList2"/>
     <dgm:cxn modelId="{83B8CA3C-326F-45AE-AE4D-424D11126D60}" srcId="{98215B50-9504-4A40-989C-D2FBCDC99796}" destId="{D036B2B1-3E7E-4F9A-BD15-7E1371DD27CB}" srcOrd="6" destOrd="0" parTransId="{7995A870-09A7-49D4-9B1B-84635E25C3AB}" sibTransId="{1CF6187C-4FF8-44B2-99BB-1BA45325CB3E}"/>
-    <dgm:cxn modelId="{58C7AB61-320A-49E4-B7EF-46FE16869B8D}" type="presOf" srcId="{1414CB55-05B5-4C02-99F8-14390BFDDBF0}" destId="{205BD01C-53D0-41DC-ACF7-3B8F0576E668}" srcOrd="0" destOrd="0" presId="urn:microsoft.com/office/officeart/2005/8/layout/vList2"/>
+    <dgm:cxn modelId="{8EA1DE3C-DE5B-425A-B524-89212F557A9A}" type="presOf" srcId="{214F9E82-B142-4E12-9DC9-12C26A01CDF7}" destId="{9B3D2718-C7FA-4C3F-9AE4-E883C464B548}" srcOrd="0" destOrd="0" presId="urn:microsoft.com/office/officeart/2005/8/layout/vList2"/>
+    <dgm:cxn modelId="{C1426260-0337-48BF-BEF0-E35C622F02D9}" srcId="{98215B50-9504-4A40-989C-D2FBCDC99796}" destId="{639B8C47-8E35-4A82-9CF6-BD457202E323}" srcOrd="15" destOrd="0" parTransId="{9607E5D0-1489-482E-B71F-3E32386C224C}" sibTransId="{3778FFCC-3154-4D06-9195-E2A633357432}"/>
+    <dgm:cxn modelId="{27C59060-455C-4641-A74D-ADA647F989D9}" type="presOf" srcId="{ABB87E2D-4656-4B45-AE63-687459A895E5}" destId="{43C2363B-FC21-40B8-BB78-133F84A329AC}" srcOrd="0" destOrd="0" presId="urn:microsoft.com/office/officeart/2005/8/layout/vList2"/>
+    <dgm:cxn modelId="{F032EF49-109D-41ED-8DE5-D9C72517C7AA}" type="presOf" srcId="{4271B710-9928-47FD-8E14-FED3B04D61BA}" destId="{0BD2D07F-3D44-41BB-A4DC-0CC93AEEB21F}" srcOrd="0" destOrd="0" presId="urn:microsoft.com/office/officeart/2005/8/layout/vList2"/>
+    <dgm:cxn modelId="{7001ED6C-DFF5-4FBD-AD8F-EC75EED687FB}" type="presOf" srcId="{C4344EC9-6F89-4250-9CB4-1B93F5DC2463}" destId="{EAFD6C7D-B040-4394-A5D4-F83D540300E7}" srcOrd="0" destOrd="0" presId="urn:microsoft.com/office/officeart/2005/8/layout/vList2"/>
     <dgm:cxn modelId="{E7E8FD4D-F32B-4981-8535-99319B44ED98}" srcId="{98215B50-9504-4A40-989C-D2FBCDC99796}" destId="{E96BA869-1B6F-4F26-9FE0-2F51CD34BC44}" srcOrd="9" destOrd="0" parTransId="{73C307E2-54F0-4764-BD09-8AC56058923E}" sibTransId="{F48ACB3C-5096-4EEF-AA75-1BB8CC4FB36B}"/>
-    <dgm:cxn modelId="{B15CE674-EEE2-4616-AB93-3D4763BFB112}" type="presOf" srcId="{B7A0A0A1-7D86-4A66-AAFC-4E2C1D3B1F56}" destId="{951DA4C9-83AB-468A-AB06-088C160529DA}" srcOrd="0" destOrd="0" presId="urn:microsoft.com/office/officeart/2005/8/layout/vList2"/>
+    <dgm:cxn modelId="{1EC2FE6E-87EC-4824-9265-EA6C608D372B}" type="presOf" srcId="{9629022B-9CE8-420C-88A4-05F8ACAC9BE0}" destId="{47703380-86BF-4C00-83F5-2C1E6A3EF0EE}" srcOrd="0" destOrd="0" presId="urn:microsoft.com/office/officeart/2005/8/layout/vList2"/>
     <dgm:cxn modelId="{D07D8E55-A4C4-45A5-B121-666FF9CAA744}" srcId="{98215B50-9504-4A40-989C-D2FBCDC99796}" destId="{B7A0A0A1-7D86-4A66-AAFC-4E2C1D3B1F56}" srcOrd="3" destOrd="0" parTransId="{E14A4597-4C4E-44FC-9592-B1352BCD54DF}" sibTransId="{9643EFBB-34CF-4DC4-A9C6-1819B35368EE}"/>
     <dgm:cxn modelId="{5BC9E47E-B6BB-41AF-91FA-EE41428E1751}" srcId="{98215B50-9504-4A40-989C-D2FBCDC99796}" destId="{271F90CA-E68D-4DF3-9187-D5627130083A}" srcOrd="5" destOrd="0" parTransId="{6B92ECC4-36CA-484C-94ED-D6379A1A2BD0}" sibTransId="{9BBBDA80-95A9-4D39-A6CE-8A844DB33363}"/>
-    <dgm:cxn modelId="{52CA208A-3CD4-421C-85EA-BD161A948972}" type="presOf" srcId="{6AD3977E-4573-4CDF-97AD-321C0C38DBAD}" destId="{1EE854CF-9BE7-4CA5-A0B6-DC38B73F8D52}" srcOrd="0" destOrd="0" presId="urn:microsoft.com/office/officeart/2005/8/layout/vList2"/>
     <dgm:cxn modelId="{01544994-8A84-4EFD-B9D8-47EBF7C154A2}" srcId="{98215B50-9504-4A40-989C-D2FBCDC99796}" destId="{26C303A4-3EFC-41FF-8CBA-77C991B80472}" srcOrd="1" destOrd="0" parTransId="{3CFFF5EE-DF7D-4D7E-B473-7911EC68E0C0}" sibTransId="{2886419E-6659-4F44-9E52-BC62DF695FE3}"/>
-    <dgm:cxn modelId="{D0A598A0-8ABB-4BE7-82C7-B21DE7979577}" type="presOf" srcId="{358548BA-CEDB-41BE-9655-D918CEB97FF7}" destId="{EF41CD9B-D98C-4D43-8DDA-F730EC53226C}" srcOrd="0" destOrd="0" presId="urn:microsoft.com/office/officeart/2005/8/layout/vList2"/>
+    <dgm:cxn modelId="{C1350899-93E9-48EC-9390-80C32B19E568}" type="presOf" srcId="{E96BA869-1B6F-4F26-9FE0-2F51CD34BC44}" destId="{E291534D-56D2-4ED3-A186-534C04E8E8E6}" srcOrd="0" destOrd="0" presId="urn:microsoft.com/office/officeart/2005/8/layout/vList2"/>
     <dgm:cxn modelId="{250A5EA9-1342-429E-9C7F-9988BA296DFC}" srcId="{98215B50-9504-4A40-989C-D2FBCDC99796}" destId="{4271B710-9928-47FD-8E14-FED3B04D61BA}" srcOrd="7" destOrd="0" parTransId="{B7C65B79-D84C-4F3D-B97D-D4DD9AFDA06A}" sibTransId="{B4C7A795-EFB4-4C96-B482-CC16261346EF}"/>
     <dgm:cxn modelId="{8DCF08AE-21D1-40B4-9B72-272777C8AFBA}" srcId="{98215B50-9504-4A40-989C-D2FBCDC99796}" destId="{358548BA-CEDB-41BE-9655-D918CEB97FF7}" srcOrd="4" destOrd="0" parTransId="{50A26555-43BD-4F1B-B906-592BD45DC4F1}" sibTransId="{C58471F2-1D6A-4EEE-BF15-42396C0093CA}"/>
     <dgm:cxn modelId="{D92E1CAF-9E6A-4C0E-8224-C0C3913187C5}" srcId="{98215B50-9504-4A40-989C-D2FBCDC99796}" destId="{214F9E82-B142-4E12-9DC9-12C26A01CDF7}" srcOrd="0" destOrd="0" parTransId="{CB7886FE-1EC4-43DA-986D-15759F365FEC}" sibTransId="{94CF81F1-F1F7-4E00-8857-FBEAFBCE5C23}"/>
-    <dgm:cxn modelId="{D2A4ABB2-152F-4DD7-BA64-867F1685544A}" type="presOf" srcId="{98215B50-9504-4A40-989C-D2FBCDC99796}" destId="{482831EA-3DBD-460B-A906-08DF721ACF24}" srcOrd="0" destOrd="0" presId="urn:microsoft.com/office/officeart/2005/8/layout/vList2"/>
-    <dgm:cxn modelId="{38DC23B4-9E9A-4A77-9E9E-D02D10377F2F}" type="presOf" srcId="{9629022B-9CE8-420C-88A4-05F8ACAC9BE0}" destId="{533A8AE7-0A4B-4EA2-83C7-89D835BD9642}" srcOrd="0" destOrd="0" presId="urn:microsoft.com/office/officeart/2005/8/layout/vList2"/>
-    <dgm:cxn modelId="{2E9A07B7-C039-4046-8BB4-E025B684AB57}" type="presOf" srcId="{D036B2B1-3E7E-4F9A-BD15-7E1371DD27CB}" destId="{113115EB-A218-444F-89FD-EC4E0D759E82}" srcOrd="0" destOrd="0" presId="urn:microsoft.com/office/officeart/2005/8/layout/vList2"/>
-    <dgm:cxn modelId="{719512B9-C15D-4641-82A3-E576ED4E8CC4}" type="presOf" srcId="{D6E61F26-81B9-4B62-BADD-0E0292E5001C}" destId="{FE35FEFD-BCE6-43A7-B93C-B201FC64E570}" srcOrd="0" destOrd="0" presId="urn:microsoft.com/office/officeart/2005/8/layout/vList2"/>
-    <dgm:cxn modelId="{2D3EB8C5-3900-4208-9434-96C537CAE4B1}" type="presOf" srcId="{271F90CA-E68D-4DF3-9187-D5627130083A}" destId="{B2DEB886-67AD-4D10-B473-E722B128C37E}" srcOrd="0" destOrd="0" presId="urn:microsoft.com/office/officeart/2005/8/layout/vList2"/>
+    <dgm:cxn modelId="{EE178EB0-DCC3-47F6-9182-BF727460A7AC}" type="presOf" srcId="{B7A0A0A1-7D86-4A66-AAFC-4E2C1D3B1F56}" destId="{4BB6C1F8-75A4-4C25-92D5-64450BEEAC50}" srcOrd="0" destOrd="0" presId="urn:microsoft.com/office/officeart/2005/8/layout/vList2"/>
+    <dgm:cxn modelId="{5FAC87BC-C973-41DE-89DA-EE11D9C044E9}" type="presOf" srcId="{1414CB55-05B5-4C02-99F8-14390BFDDBF0}" destId="{3BAEFDA0-4D53-411B-9104-9A2A104B8891}" srcOrd="0" destOrd="0" presId="urn:microsoft.com/office/officeart/2005/8/layout/vList2"/>
     <dgm:cxn modelId="{C61566CE-2605-45D6-955E-CB4E50132391}" srcId="{98215B50-9504-4A40-989C-D2FBCDC99796}" destId="{1414CB55-05B5-4C02-99F8-14390BFDDBF0}" srcOrd="12" destOrd="0" parTransId="{507D26F8-BC79-476E-9AE6-796ADB589A9E}" sibTransId="{500FC536-3CC3-4E6E-9930-C2E53F7B4046}"/>
     <dgm:cxn modelId="{25BD54D4-C629-4CB6-A94C-FA0F637E0BFD}" srcId="{98215B50-9504-4A40-989C-D2FBCDC99796}" destId="{D6E61F26-81B9-4B62-BADD-0E0292E5001C}" srcOrd="2" destOrd="0" parTransId="{8537ECFE-BA2C-45D0-9878-7A5701C246DE}" sibTransId="{101F192D-0DA6-4A7F-A569-3F4DAB5283C0}"/>
-    <dgm:cxn modelId="{EC3E16DE-0857-4ADF-BA7C-DED4CC9B098B}" type="presOf" srcId="{26C303A4-3EFC-41FF-8CBA-77C991B80472}" destId="{DB6AF47B-488C-43AA-B7DA-922C367A07B7}" srcOrd="0" destOrd="0" presId="urn:microsoft.com/office/officeart/2005/8/layout/vList2"/>
-    <dgm:cxn modelId="{6A76EADF-05F5-446D-92DD-B146C1178927}" type="presOf" srcId="{4271B710-9928-47FD-8E14-FED3B04D61BA}" destId="{3F7AA4BD-5BA9-4859-9E1B-F8A570717966}" srcOrd="0" destOrd="0" presId="urn:microsoft.com/office/officeart/2005/8/layout/vList2"/>
-    <dgm:cxn modelId="{C76571E6-3BDD-444F-8D6F-6FFBDECC0C9E}" type="presOf" srcId="{ABB87E2D-4656-4B45-AE63-687459A895E5}" destId="{FF6D061E-8CA5-4B29-B717-AB6F619EA33A}" srcOrd="0" destOrd="0" presId="urn:microsoft.com/office/officeart/2005/8/layout/vList2"/>
-    <dgm:cxn modelId="{BF179DEA-0374-473F-A053-22170AD019F5}" type="presOf" srcId="{214F9E82-B142-4E12-9DC9-12C26A01CDF7}" destId="{19E2F9BC-F3CC-4737-A5FE-75AA42E0ACDE}" srcOrd="0" destOrd="0" presId="urn:microsoft.com/office/officeart/2005/8/layout/vList2"/>
-    <dgm:cxn modelId="{77CCFBED-051C-4296-AD17-5FD1400D5B93}" type="presOf" srcId="{715AA07E-F50C-4C3D-BB23-747FEA4AD6D7}" destId="{386A165B-04E2-4447-BB61-CDA5F66D96E9}" srcOrd="0" destOrd="0" presId="urn:microsoft.com/office/officeart/2005/8/layout/vList2"/>
-    <dgm:cxn modelId="{D97647F3-1F27-407F-88E8-9027B40AEF8F}" type="presOf" srcId="{E96BA869-1B6F-4F26-9FE0-2F51CD34BC44}" destId="{855C8D91-1E45-4477-BB5F-DD1F1A2ED70C}" srcOrd="0" destOrd="0" presId="urn:microsoft.com/office/officeart/2005/8/layout/vList2"/>
+    <dgm:cxn modelId="{F491F4D6-99F0-46BC-BD1D-50FBE77C406B}" type="presOf" srcId="{639B8C47-8E35-4A82-9CF6-BD457202E323}" destId="{C4170D98-EC85-4FFC-B72A-B48CC829CA79}" srcOrd="0" destOrd="0" presId="urn:microsoft.com/office/officeart/2005/8/layout/vList2"/>
+    <dgm:cxn modelId="{D18E99D7-48B1-4C1F-A1CA-FFAA68BEA75C}" type="presOf" srcId="{D6E61F26-81B9-4B62-BADD-0E0292E5001C}" destId="{B724B1B7-850D-4BAF-B662-03C90C92556E}" srcOrd="0" destOrd="0" presId="urn:microsoft.com/office/officeart/2005/8/layout/vList2"/>
+    <dgm:cxn modelId="{3B590DE4-1520-425F-A707-BDA7D3B5AC86}" type="presOf" srcId="{715AA07E-F50C-4C3D-BB23-747FEA4AD6D7}" destId="{5B271C85-24E6-4F47-BD10-75A2BE9550F6}" srcOrd="0" destOrd="0" presId="urn:microsoft.com/office/officeart/2005/8/layout/vList2"/>
+    <dgm:cxn modelId="{28C7FFF0-CB44-4FC1-B428-EA0C36F0FFB0}" type="presOf" srcId="{98215B50-9504-4A40-989C-D2FBCDC99796}" destId="{0652018C-AED2-4D35-B5CC-B563941441D3}" srcOrd="0" destOrd="0" presId="urn:microsoft.com/office/officeart/2005/8/layout/vList2"/>
+    <dgm:cxn modelId="{59931EF7-FB16-43BB-B07C-857E42C50D5F}" type="presOf" srcId="{271F90CA-E68D-4DF3-9187-D5627130083A}" destId="{8A954AAC-D17D-4BDE-9A6E-E97EE85CCE38}" srcOrd="0" destOrd="0" presId="urn:microsoft.com/office/officeart/2005/8/layout/vList2"/>
     <dgm:cxn modelId="{D84E2BFA-9647-4C28-AD48-B178721A8786}" srcId="{98215B50-9504-4A40-989C-D2FBCDC99796}" destId="{ABB87E2D-4656-4B45-AE63-687459A895E5}" srcOrd="8" destOrd="0" parTransId="{4351E49A-BBCB-421F-8A75-B3C043CFDA2E}" sibTransId="{A6F6D395-1E2D-4AF6-A46F-AAC4836F12A4}"/>
-    <dgm:cxn modelId="{ABA70A32-5477-4326-AB51-DA3B02F2FB1E}" type="presParOf" srcId="{482831EA-3DBD-460B-A906-08DF721ACF24}" destId="{19E2F9BC-F3CC-4737-A5FE-75AA42E0ACDE}" srcOrd="0" destOrd="0" presId="urn:microsoft.com/office/officeart/2005/8/layout/vList2"/>
-    <dgm:cxn modelId="{B25B551E-2935-44FF-ABBF-D21E5C63ECE3}" type="presParOf" srcId="{482831EA-3DBD-460B-A906-08DF721ACF24}" destId="{A3B39923-CA03-4BCF-9518-36DECE1BD2E0}" srcOrd="1" destOrd="0" presId="urn:microsoft.com/office/officeart/2005/8/layout/vList2"/>
-    <dgm:cxn modelId="{6ED3BFF0-30F7-44BD-8943-0B4721F05D0E}" type="presParOf" srcId="{482831EA-3DBD-460B-A906-08DF721ACF24}" destId="{DB6AF47B-488C-43AA-B7DA-922C367A07B7}" srcOrd="2" destOrd="0" presId="urn:microsoft.com/office/officeart/2005/8/layout/vList2"/>
-    <dgm:cxn modelId="{62239082-1039-4A01-A396-ACB7A0583DC6}" type="presParOf" srcId="{482831EA-3DBD-460B-A906-08DF721ACF24}" destId="{D677FD25-BAE5-4F9A-854F-A1F02EF8F484}" srcOrd="3" destOrd="0" presId="urn:microsoft.com/office/officeart/2005/8/layout/vList2"/>
-    <dgm:cxn modelId="{14CA8B0D-32B6-42A1-91AE-51DD19DECDDC}" type="presParOf" srcId="{482831EA-3DBD-460B-A906-08DF721ACF24}" destId="{FE35FEFD-BCE6-43A7-B93C-B201FC64E570}" srcOrd="4" destOrd="0" presId="urn:microsoft.com/office/officeart/2005/8/layout/vList2"/>
-    <dgm:cxn modelId="{42CC87C8-5070-4852-9DFD-926153E01C47}" type="presParOf" srcId="{482831EA-3DBD-460B-A906-08DF721ACF24}" destId="{B4C889E6-126E-40D4-A678-893F9715ED6C}" srcOrd="5" destOrd="0" presId="urn:microsoft.com/office/officeart/2005/8/layout/vList2"/>
-    <dgm:cxn modelId="{F62F023E-E1AF-48F2-8ACE-8D3E76966534}" type="presParOf" srcId="{482831EA-3DBD-460B-A906-08DF721ACF24}" destId="{951DA4C9-83AB-468A-AB06-088C160529DA}" srcOrd="6" destOrd="0" presId="urn:microsoft.com/office/officeart/2005/8/layout/vList2"/>
-    <dgm:cxn modelId="{FB6D1D8E-8F00-4352-B399-2E2D9E6D619E}" type="presParOf" srcId="{482831EA-3DBD-460B-A906-08DF721ACF24}" destId="{F301F7C8-C498-437D-A3BE-A216607DAB1D}" srcOrd="7" destOrd="0" presId="urn:microsoft.com/office/officeart/2005/8/layout/vList2"/>
-    <dgm:cxn modelId="{9877FAA8-2468-4D7E-8C05-C55FCCCBEC9B}" type="presParOf" srcId="{482831EA-3DBD-460B-A906-08DF721ACF24}" destId="{EF41CD9B-D98C-4D43-8DDA-F730EC53226C}" srcOrd="8" destOrd="0" presId="urn:microsoft.com/office/officeart/2005/8/layout/vList2"/>
-    <dgm:cxn modelId="{11951898-7599-4EF1-9B03-D8CC6F44EC49}" type="presParOf" srcId="{482831EA-3DBD-460B-A906-08DF721ACF24}" destId="{879F46DE-38E4-4408-8FDB-65DCE056E85E}" srcOrd="9" destOrd="0" presId="urn:microsoft.com/office/officeart/2005/8/layout/vList2"/>
-    <dgm:cxn modelId="{F5273FAA-A730-4725-A562-85A5ECD64138}" type="presParOf" srcId="{482831EA-3DBD-460B-A906-08DF721ACF24}" destId="{B2DEB886-67AD-4D10-B473-E722B128C37E}" srcOrd="10" destOrd="0" presId="urn:microsoft.com/office/officeart/2005/8/layout/vList2"/>
-    <dgm:cxn modelId="{F0BC6802-D275-492F-89AC-9443B3F85A6B}" type="presParOf" srcId="{482831EA-3DBD-460B-A906-08DF721ACF24}" destId="{1CD65F94-5254-4249-BF73-200EBF3D192B}" srcOrd="11" destOrd="0" presId="urn:microsoft.com/office/officeart/2005/8/layout/vList2"/>
-    <dgm:cxn modelId="{91E04F28-650C-4744-A147-599851DBCE55}" type="presParOf" srcId="{482831EA-3DBD-460B-A906-08DF721ACF24}" destId="{113115EB-A218-444F-89FD-EC4E0D759E82}" srcOrd="12" destOrd="0" presId="urn:microsoft.com/office/officeart/2005/8/layout/vList2"/>
-    <dgm:cxn modelId="{696BE56B-0A5A-4A76-9894-6F29DDCA50C7}" type="presParOf" srcId="{482831EA-3DBD-460B-A906-08DF721ACF24}" destId="{16530BAE-49A3-4F9E-B783-5B75A1334FBB}" srcOrd="13" destOrd="0" presId="urn:microsoft.com/office/officeart/2005/8/layout/vList2"/>
-    <dgm:cxn modelId="{22E398FD-CE8A-44DF-802B-3AB8AF6C07EE}" type="presParOf" srcId="{482831EA-3DBD-460B-A906-08DF721ACF24}" destId="{3F7AA4BD-5BA9-4859-9E1B-F8A570717966}" srcOrd="14" destOrd="0" presId="urn:microsoft.com/office/officeart/2005/8/layout/vList2"/>
-    <dgm:cxn modelId="{8FF91EDD-597E-48F8-BF53-DC9116F0558E}" type="presParOf" srcId="{482831EA-3DBD-460B-A906-08DF721ACF24}" destId="{AAEF1076-7C02-4A35-ACC6-787BF5C07A4B}" srcOrd="15" destOrd="0" presId="urn:microsoft.com/office/officeart/2005/8/layout/vList2"/>
-    <dgm:cxn modelId="{B6C6CA9F-3952-4D0F-951E-BF882C10BAC4}" type="presParOf" srcId="{482831EA-3DBD-460B-A906-08DF721ACF24}" destId="{FF6D061E-8CA5-4B29-B717-AB6F619EA33A}" srcOrd="16" destOrd="0" presId="urn:microsoft.com/office/officeart/2005/8/layout/vList2"/>
-    <dgm:cxn modelId="{B2AE7961-662A-43B2-833C-96A941168BC1}" type="presParOf" srcId="{482831EA-3DBD-460B-A906-08DF721ACF24}" destId="{29A35DF7-EEB8-4BBE-8C2F-A12CD8AD9E15}" srcOrd="17" destOrd="0" presId="urn:microsoft.com/office/officeart/2005/8/layout/vList2"/>
-    <dgm:cxn modelId="{D844D4B2-5D46-44C6-9FB6-CC8A85D28895}" type="presParOf" srcId="{482831EA-3DBD-460B-A906-08DF721ACF24}" destId="{855C8D91-1E45-4477-BB5F-DD1F1A2ED70C}" srcOrd="18" destOrd="0" presId="urn:microsoft.com/office/officeart/2005/8/layout/vList2"/>
-    <dgm:cxn modelId="{9DB9C4A0-A397-4C38-95CA-C9C1596C206D}" type="presParOf" srcId="{482831EA-3DBD-460B-A906-08DF721ACF24}" destId="{EC217D62-7702-4416-83C0-957D6B3A6177}" srcOrd="19" destOrd="0" presId="urn:microsoft.com/office/officeart/2005/8/layout/vList2"/>
-    <dgm:cxn modelId="{DBDEAFC0-7AFD-4ED5-9E61-879F79EF46D9}" type="presParOf" srcId="{482831EA-3DBD-460B-A906-08DF721ACF24}" destId="{533A8AE7-0A4B-4EA2-83C7-89D835BD9642}" srcOrd="20" destOrd="0" presId="urn:microsoft.com/office/officeart/2005/8/layout/vList2"/>
-    <dgm:cxn modelId="{9161ACA6-30B5-4C87-988D-27B6FF8E1E6D}" type="presParOf" srcId="{482831EA-3DBD-460B-A906-08DF721ACF24}" destId="{C0D0129A-2DF7-43B3-B726-AF85B95A57D2}" srcOrd="21" destOrd="0" presId="urn:microsoft.com/office/officeart/2005/8/layout/vList2"/>
-    <dgm:cxn modelId="{70A09714-86F4-47BF-BFCC-E88FDF390C77}" type="presParOf" srcId="{482831EA-3DBD-460B-A906-08DF721ACF24}" destId="{B4B8190B-2891-42C7-8072-5DA26FF09F19}" srcOrd="22" destOrd="0" presId="urn:microsoft.com/office/officeart/2005/8/layout/vList2"/>
-    <dgm:cxn modelId="{F9E6D245-DE4F-4AFC-BCA0-984962E4D216}" type="presParOf" srcId="{482831EA-3DBD-460B-A906-08DF721ACF24}" destId="{233A4749-5F2F-4CAE-80CE-27409212A946}" srcOrd="23" destOrd="0" presId="urn:microsoft.com/office/officeart/2005/8/layout/vList2"/>
-    <dgm:cxn modelId="{1B353473-E7DA-420E-9D40-0A0A1580B2CE}" type="presParOf" srcId="{482831EA-3DBD-460B-A906-08DF721ACF24}" destId="{205BD01C-53D0-41DC-ACF7-3B8F0576E668}" srcOrd="24" destOrd="0" presId="urn:microsoft.com/office/officeart/2005/8/layout/vList2"/>
-    <dgm:cxn modelId="{C4AE468A-DCFD-4D12-A674-7529D38983C8}" type="presParOf" srcId="{482831EA-3DBD-460B-A906-08DF721ACF24}" destId="{424BF8D1-684D-4385-AE8D-8B0E4C114BA4}" srcOrd="25" destOrd="0" presId="urn:microsoft.com/office/officeart/2005/8/layout/vList2"/>
-    <dgm:cxn modelId="{AA89AFC8-9E90-43B7-A687-1155F87D7504}" type="presParOf" srcId="{482831EA-3DBD-460B-A906-08DF721ACF24}" destId="{1EE854CF-9BE7-4CA5-A0B6-DC38B73F8D52}" srcOrd="26" destOrd="0" presId="urn:microsoft.com/office/officeart/2005/8/layout/vList2"/>
-    <dgm:cxn modelId="{B721D419-E063-4449-9B46-C770B493A455}" type="presParOf" srcId="{482831EA-3DBD-460B-A906-08DF721ACF24}" destId="{3E511DCC-18CF-456F-9BBA-4A94962E7BFC}" srcOrd="27" destOrd="0" presId="urn:microsoft.com/office/officeart/2005/8/layout/vList2"/>
-    <dgm:cxn modelId="{AC608FB7-5827-4CEC-81BF-EBF51AFB4026}" type="presParOf" srcId="{482831EA-3DBD-460B-A906-08DF721ACF24}" destId="{386A165B-04E2-4447-BB61-CDA5F66D96E9}" srcOrd="28" destOrd="0" presId="urn:microsoft.com/office/officeart/2005/8/layout/vList2"/>
+    <dgm:cxn modelId="{13CAFBEE-08FB-4D57-80E5-D436F16E46DC}" type="presParOf" srcId="{0652018C-AED2-4D35-B5CC-B563941441D3}" destId="{9B3D2718-C7FA-4C3F-9AE4-E883C464B548}" srcOrd="0" destOrd="0" presId="urn:microsoft.com/office/officeart/2005/8/layout/vList2"/>
+    <dgm:cxn modelId="{87AB5AC4-3687-4E73-825A-AD35D8512B49}" type="presParOf" srcId="{0652018C-AED2-4D35-B5CC-B563941441D3}" destId="{E7677351-B39D-4337-8209-1BEDB8DE35E2}" srcOrd="1" destOrd="0" presId="urn:microsoft.com/office/officeart/2005/8/layout/vList2"/>
+    <dgm:cxn modelId="{D06B1C8C-26B1-43C3-84DF-1C83A176A795}" type="presParOf" srcId="{0652018C-AED2-4D35-B5CC-B563941441D3}" destId="{E6CF3C69-599F-4AEC-A4F3-C457DBB2A180}" srcOrd="2" destOrd="0" presId="urn:microsoft.com/office/officeart/2005/8/layout/vList2"/>
+    <dgm:cxn modelId="{08C9C65C-A47C-489D-95AA-C10ECDAE1F6E}" type="presParOf" srcId="{0652018C-AED2-4D35-B5CC-B563941441D3}" destId="{FF06AED8-0EE7-4764-AF12-5E8334E4C5E1}" srcOrd="3" destOrd="0" presId="urn:microsoft.com/office/officeart/2005/8/layout/vList2"/>
+    <dgm:cxn modelId="{3154FDC6-D0E2-4145-B6C1-378BB8020EDB}" type="presParOf" srcId="{0652018C-AED2-4D35-B5CC-B563941441D3}" destId="{B724B1B7-850D-4BAF-B662-03C90C92556E}" srcOrd="4" destOrd="0" presId="urn:microsoft.com/office/officeart/2005/8/layout/vList2"/>
+    <dgm:cxn modelId="{05BCF781-108D-4127-BDCB-C6D84B15CEB9}" type="presParOf" srcId="{0652018C-AED2-4D35-B5CC-B563941441D3}" destId="{54DC0D46-66C9-40DC-86B0-60D84A9F6F09}" srcOrd="5" destOrd="0" presId="urn:microsoft.com/office/officeart/2005/8/layout/vList2"/>
+    <dgm:cxn modelId="{8AEE96E0-0158-4B6E-A9E1-2D59B0B3ECA5}" type="presParOf" srcId="{0652018C-AED2-4D35-B5CC-B563941441D3}" destId="{4BB6C1F8-75A4-4C25-92D5-64450BEEAC50}" srcOrd="6" destOrd="0" presId="urn:microsoft.com/office/officeart/2005/8/layout/vList2"/>
+    <dgm:cxn modelId="{22714C31-0A17-4DCB-AFD4-345FAED3C6D2}" type="presParOf" srcId="{0652018C-AED2-4D35-B5CC-B563941441D3}" destId="{3D6E96C0-7B50-4E44-977A-73B86C99C296}" srcOrd="7" destOrd="0" presId="urn:microsoft.com/office/officeart/2005/8/layout/vList2"/>
+    <dgm:cxn modelId="{55C834CB-75AD-454A-929A-A607E7D371B4}" type="presParOf" srcId="{0652018C-AED2-4D35-B5CC-B563941441D3}" destId="{AF9C546C-1BCE-426C-A814-D336A7D1D725}" srcOrd="8" destOrd="0" presId="urn:microsoft.com/office/officeart/2005/8/layout/vList2"/>
+    <dgm:cxn modelId="{D311482E-8BC2-4C76-A89F-B3F1B7A6FB2B}" type="presParOf" srcId="{0652018C-AED2-4D35-B5CC-B563941441D3}" destId="{EDDD584E-B6FD-4039-BED3-C668E3AEE28A}" srcOrd="9" destOrd="0" presId="urn:microsoft.com/office/officeart/2005/8/layout/vList2"/>
+    <dgm:cxn modelId="{30D7FE62-054B-4C91-9FDF-7B9D552E04A2}" type="presParOf" srcId="{0652018C-AED2-4D35-B5CC-B563941441D3}" destId="{8A954AAC-D17D-4BDE-9A6E-E97EE85CCE38}" srcOrd="10" destOrd="0" presId="urn:microsoft.com/office/officeart/2005/8/layout/vList2"/>
+    <dgm:cxn modelId="{94756E54-E51A-40AA-9439-9B5B01D80609}" type="presParOf" srcId="{0652018C-AED2-4D35-B5CC-B563941441D3}" destId="{A21BB681-9392-45D4-9CDD-386CF71DD3B8}" srcOrd="11" destOrd="0" presId="urn:microsoft.com/office/officeart/2005/8/layout/vList2"/>
+    <dgm:cxn modelId="{DB21F373-F826-44CB-95A8-9C7BBBBE8EC1}" type="presParOf" srcId="{0652018C-AED2-4D35-B5CC-B563941441D3}" destId="{93C90D32-C198-49CC-BD31-E762BEFDABC9}" srcOrd="12" destOrd="0" presId="urn:microsoft.com/office/officeart/2005/8/layout/vList2"/>
+    <dgm:cxn modelId="{404C79E2-953C-44EA-8B2D-776BCC758C6C}" type="presParOf" srcId="{0652018C-AED2-4D35-B5CC-B563941441D3}" destId="{300BA039-ACD5-4C60-84CE-0412FD53BF6B}" srcOrd="13" destOrd="0" presId="urn:microsoft.com/office/officeart/2005/8/layout/vList2"/>
+    <dgm:cxn modelId="{629AB1DD-2651-45EF-B013-CA03BB275265}" type="presParOf" srcId="{0652018C-AED2-4D35-B5CC-B563941441D3}" destId="{0BD2D07F-3D44-41BB-A4DC-0CC93AEEB21F}" srcOrd="14" destOrd="0" presId="urn:microsoft.com/office/officeart/2005/8/layout/vList2"/>
+    <dgm:cxn modelId="{4EE17985-DBD3-4811-A7AB-9A1CD9745308}" type="presParOf" srcId="{0652018C-AED2-4D35-B5CC-B563941441D3}" destId="{A10C61FC-B7F0-4B48-9F87-9837963ED70B}" srcOrd="15" destOrd="0" presId="urn:microsoft.com/office/officeart/2005/8/layout/vList2"/>
+    <dgm:cxn modelId="{A2858252-F15F-43D8-95CC-5D7C88CE5C56}" type="presParOf" srcId="{0652018C-AED2-4D35-B5CC-B563941441D3}" destId="{43C2363B-FC21-40B8-BB78-133F84A329AC}" srcOrd="16" destOrd="0" presId="urn:microsoft.com/office/officeart/2005/8/layout/vList2"/>
+    <dgm:cxn modelId="{476B8505-1E33-4DB3-B45B-AEDF4EAC31B9}" type="presParOf" srcId="{0652018C-AED2-4D35-B5CC-B563941441D3}" destId="{8B8E60F3-BD3E-475D-BDDF-6C2D6FC0A322}" srcOrd="17" destOrd="0" presId="urn:microsoft.com/office/officeart/2005/8/layout/vList2"/>
+    <dgm:cxn modelId="{2CF06234-E49C-4E0D-A56A-C1D6398A5CBD}" type="presParOf" srcId="{0652018C-AED2-4D35-B5CC-B563941441D3}" destId="{E291534D-56D2-4ED3-A186-534C04E8E8E6}" srcOrd="18" destOrd="0" presId="urn:microsoft.com/office/officeart/2005/8/layout/vList2"/>
+    <dgm:cxn modelId="{F0A89EE3-A74C-4779-9E0B-651038B9FAD5}" type="presParOf" srcId="{0652018C-AED2-4D35-B5CC-B563941441D3}" destId="{684D70CD-CCFD-495B-B118-E76FC0457246}" srcOrd="19" destOrd="0" presId="urn:microsoft.com/office/officeart/2005/8/layout/vList2"/>
+    <dgm:cxn modelId="{94684E0E-71CD-4BEB-83BD-CC7BA2C23BF3}" type="presParOf" srcId="{0652018C-AED2-4D35-B5CC-B563941441D3}" destId="{47703380-86BF-4C00-83F5-2C1E6A3EF0EE}" srcOrd="20" destOrd="0" presId="urn:microsoft.com/office/officeart/2005/8/layout/vList2"/>
+    <dgm:cxn modelId="{AEF12C46-A219-4260-BA15-4424F82DC159}" type="presParOf" srcId="{0652018C-AED2-4D35-B5CC-B563941441D3}" destId="{5BD03F98-E6F6-40E0-A04C-DAA6D59003CF}" srcOrd="21" destOrd="0" presId="urn:microsoft.com/office/officeart/2005/8/layout/vList2"/>
+    <dgm:cxn modelId="{C23F05C5-1AFA-4CBD-802D-232D4FC26152}" type="presParOf" srcId="{0652018C-AED2-4D35-B5CC-B563941441D3}" destId="{EAFD6C7D-B040-4394-A5D4-F83D540300E7}" srcOrd="22" destOrd="0" presId="urn:microsoft.com/office/officeart/2005/8/layout/vList2"/>
+    <dgm:cxn modelId="{C01A6B4B-FC7A-4D49-861D-94708FA8E567}" type="presParOf" srcId="{0652018C-AED2-4D35-B5CC-B563941441D3}" destId="{89400572-E972-473A-BA62-A487C5451A08}" srcOrd="23" destOrd="0" presId="urn:microsoft.com/office/officeart/2005/8/layout/vList2"/>
+    <dgm:cxn modelId="{C1FEFFA6-641E-49C0-AEF4-212257BEAC78}" type="presParOf" srcId="{0652018C-AED2-4D35-B5CC-B563941441D3}" destId="{3BAEFDA0-4D53-411B-9104-9A2A104B8891}" srcOrd="24" destOrd="0" presId="urn:microsoft.com/office/officeart/2005/8/layout/vList2"/>
+    <dgm:cxn modelId="{ED1AD32F-3D14-40E4-B49D-C020342AFF30}" type="presParOf" srcId="{0652018C-AED2-4D35-B5CC-B563941441D3}" destId="{64C394C9-CA66-43CD-8C97-42975D832C0A}" srcOrd="25" destOrd="0" presId="urn:microsoft.com/office/officeart/2005/8/layout/vList2"/>
+    <dgm:cxn modelId="{5E53D2F4-0F0E-4564-89F1-4747DD5708E1}" type="presParOf" srcId="{0652018C-AED2-4D35-B5CC-B563941441D3}" destId="{9C5561C9-DA0D-4319-B79D-14ECE8986902}" srcOrd="26" destOrd="0" presId="urn:microsoft.com/office/officeart/2005/8/layout/vList2"/>
+    <dgm:cxn modelId="{F73CA56B-7040-4579-93BA-95E26C4EE0AB}" type="presParOf" srcId="{0652018C-AED2-4D35-B5CC-B563941441D3}" destId="{CF559FEB-18CD-4B93-A685-91992BEB6619}" srcOrd="27" destOrd="0" presId="urn:microsoft.com/office/officeart/2005/8/layout/vList2"/>
+    <dgm:cxn modelId="{8650D973-0841-460E-843B-C28D33588D70}" type="presParOf" srcId="{0652018C-AED2-4D35-B5CC-B563941441D3}" destId="{5B271C85-24E6-4F47-BD10-75A2BE9550F6}" srcOrd="28" destOrd="0" presId="urn:microsoft.com/office/officeart/2005/8/layout/vList2"/>
+    <dgm:cxn modelId="{0F55DF33-DAF4-43A6-919A-8CCBAD98ED85}" type="presParOf" srcId="{0652018C-AED2-4D35-B5CC-B563941441D3}" destId="{C672B999-2150-4025-B01B-F92B97BA8A5E}" srcOrd="29" destOrd="0" presId="urn:microsoft.com/office/officeart/2005/8/layout/vList2"/>
+    <dgm:cxn modelId="{1EDAF58B-A5E9-46B5-B475-D76557D0E3E9}" type="presParOf" srcId="{0652018C-AED2-4D35-B5CC-B563941441D3}" destId="{C4170D98-EC85-4FFC-B72A-B48CC829CA79}" srcOrd="30" destOrd="0" presId="urn:microsoft.com/office/officeart/2005/8/layout/vList2"/>
   </dgm:cxnLst>
   <dgm:bg/>
   <dgm:whole/>
@@ -2407,15 +2363,15 @@
       <dsp:cNvGrpSpPr/>
     </dsp:nvGrpSpPr>
     <dsp:grpSpPr/>
-    <dsp:sp modelId="{19E2F9BC-F3CC-4737-A5FE-75AA42E0ACDE}">
+    <dsp:sp modelId="{9B3D2718-C7FA-4C3F-9AE4-E883C464B548}">
       <dsp:nvSpPr>
         <dsp:cNvPr id="0" name=""/>
         <dsp:cNvSpPr/>
       </dsp:nvSpPr>
       <dsp:spPr>
         <a:xfrm>
-          <a:off x="0" y="97492"/>
-          <a:ext cx="5457824" cy="374034"/>
+          <a:off x="0" y="4560"/>
+          <a:ext cx="6768057" cy="368347"/>
         </a:xfrm>
         <a:prstGeom prst="roundRect">
           <a:avLst/>
@@ -2489,28 +2445,28 @@
         </a:p>
       </dsp:txBody>
       <dsp:txXfrm>
-        <a:off x="18259" y="115751"/>
-        <a:ext cx="5421306" cy="337516"/>
+        <a:off x="17981" y="22541"/>
+        <a:ext cx="6732095" cy="332385"/>
       </dsp:txXfrm>
     </dsp:sp>
-    <dsp:sp modelId="{DB6AF47B-488C-43AA-B7DA-922C367A07B7}">
+    <dsp:sp modelId="{E6CF3C69-599F-4AEC-A4F3-C457DBB2A180}">
       <dsp:nvSpPr>
         <dsp:cNvPr id="0" name=""/>
         <dsp:cNvSpPr/>
       </dsp:nvSpPr>
       <dsp:spPr>
         <a:xfrm>
-          <a:off x="0" y="485926"/>
-          <a:ext cx="5457824" cy="374034"/>
+          <a:off x="0" y="382119"/>
+          <a:ext cx="6768057" cy="368347"/>
         </a:xfrm>
         <a:prstGeom prst="roundRect">
           <a:avLst/>
         </a:prstGeom>
         <a:solidFill>
           <a:schemeClr val="accent5">
-            <a:hueOff val="-482753"/>
-            <a:satOff val="-1244"/>
-            <a:lumOff val="-840"/>
+            <a:hueOff val="-450570"/>
+            <a:satOff val="-1161"/>
+            <a:lumOff val="-784"/>
             <a:alphaOff val="0"/>
           </a:schemeClr>
         </a:solidFill>
@@ -2596,28 +2552,28 @@
         </a:p>
       </dsp:txBody>
       <dsp:txXfrm>
-        <a:off x="18259" y="504185"/>
-        <a:ext cx="5421306" cy="337516"/>
+        <a:off x="17981" y="400100"/>
+        <a:ext cx="6732095" cy="332385"/>
       </dsp:txXfrm>
     </dsp:sp>
-    <dsp:sp modelId="{FE35FEFD-BCE6-43A7-B93C-B201FC64E570}">
+    <dsp:sp modelId="{B724B1B7-850D-4BAF-B662-03C90C92556E}">
       <dsp:nvSpPr>
         <dsp:cNvPr id="0" name=""/>
         <dsp:cNvSpPr/>
       </dsp:nvSpPr>
       <dsp:spPr>
         <a:xfrm>
-          <a:off x="0" y="874360"/>
-          <a:ext cx="5457824" cy="374034"/>
+          <a:off x="0" y="759677"/>
+          <a:ext cx="6768057" cy="368347"/>
         </a:xfrm>
         <a:prstGeom prst="roundRect">
           <a:avLst/>
         </a:prstGeom>
         <a:solidFill>
           <a:schemeClr val="accent5">
-            <a:hueOff val="-965506"/>
-            <a:satOff val="-2488"/>
-            <a:lumOff val="-1681"/>
+            <a:hueOff val="-901139"/>
+            <a:satOff val="-2323"/>
+            <a:lumOff val="-1569"/>
             <a:alphaOff val="0"/>
           </a:schemeClr>
         </a:solidFill>
@@ -2739,28 +2695,28 @@
         </a:p>
       </dsp:txBody>
       <dsp:txXfrm>
-        <a:off x="18259" y="892619"/>
-        <a:ext cx="5421306" cy="337516"/>
+        <a:off x="17981" y="777658"/>
+        <a:ext cx="6732095" cy="332385"/>
       </dsp:txXfrm>
     </dsp:sp>
-    <dsp:sp modelId="{951DA4C9-83AB-468A-AB06-088C160529DA}">
+    <dsp:sp modelId="{4BB6C1F8-75A4-4C25-92D5-64450BEEAC50}">
       <dsp:nvSpPr>
         <dsp:cNvPr id="0" name=""/>
         <dsp:cNvSpPr/>
       </dsp:nvSpPr>
       <dsp:spPr>
         <a:xfrm>
-          <a:off x="0" y="1262795"/>
-          <a:ext cx="5457824" cy="374034"/>
+          <a:off x="0" y="1137236"/>
+          <a:ext cx="6768057" cy="368347"/>
         </a:xfrm>
         <a:prstGeom prst="roundRect">
           <a:avLst/>
         </a:prstGeom>
         <a:solidFill>
           <a:schemeClr val="accent5">
-            <a:hueOff val="-1448259"/>
-            <a:satOff val="-3733"/>
-            <a:lumOff val="-2521"/>
+            <a:hueOff val="-1351709"/>
+            <a:satOff val="-3484"/>
+            <a:lumOff val="-2353"/>
             <a:alphaOff val="0"/>
           </a:schemeClr>
         </a:solidFill>
@@ -2861,28 +2817,28 @@
         </a:p>
       </dsp:txBody>
       <dsp:txXfrm>
-        <a:off x="18259" y="1281054"/>
-        <a:ext cx="5421306" cy="337516"/>
+        <a:off x="17981" y="1155217"/>
+        <a:ext cx="6732095" cy="332385"/>
       </dsp:txXfrm>
     </dsp:sp>
-    <dsp:sp modelId="{EF41CD9B-D98C-4D43-8DDA-F730EC53226C}">
+    <dsp:sp modelId="{AF9C546C-1BCE-426C-A814-D336A7D1D725}">
       <dsp:nvSpPr>
         <dsp:cNvPr id="0" name=""/>
         <dsp:cNvSpPr/>
       </dsp:nvSpPr>
       <dsp:spPr>
         <a:xfrm>
-          <a:off x="0" y="1651229"/>
-          <a:ext cx="5457824" cy="374034"/>
+          <a:off x="0" y="1514794"/>
+          <a:ext cx="6768057" cy="368347"/>
         </a:xfrm>
         <a:prstGeom prst="roundRect">
           <a:avLst/>
         </a:prstGeom>
         <a:solidFill>
           <a:schemeClr val="accent5">
-            <a:hueOff val="-1931012"/>
-            <a:satOff val="-4977"/>
-            <a:lumOff val="-3361"/>
+            <a:hueOff val="-1802278"/>
+            <a:satOff val="-4645"/>
+            <a:lumOff val="-3137"/>
             <a:alphaOff val="0"/>
           </a:schemeClr>
         </a:solidFill>
@@ -2995,28 +2951,28 @@
         </a:p>
       </dsp:txBody>
       <dsp:txXfrm>
-        <a:off x="18259" y="1669488"/>
-        <a:ext cx="5421306" cy="337516"/>
+        <a:off x="17981" y="1532775"/>
+        <a:ext cx="6732095" cy="332385"/>
       </dsp:txXfrm>
     </dsp:sp>
-    <dsp:sp modelId="{B2DEB886-67AD-4D10-B473-E722B128C37E}">
+    <dsp:sp modelId="{8A954AAC-D17D-4BDE-9A6E-E97EE85CCE38}">
       <dsp:nvSpPr>
         <dsp:cNvPr id="0" name=""/>
         <dsp:cNvSpPr/>
       </dsp:nvSpPr>
       <dsp:spPr>
         <a:xfrm>
-          <a:off x="0" y="2039664"/>
-          <a:ext cx="5457824" cy="374034"/>
+          <a:off x="0" y="1892353"/>
+          <a:ext cx="6768057" cy="368347"/>
         </a:xfrm>
         <a:prstGeom prst="roundRect">
           <a:avLst/>
         </a:prstGeom>
         <a:solidFill>
           <a:schemeClr val="accent5">
-            <a:hueOff val="-2413765"/>
-            <a:satOff val="-6221"/>
-            <a:lumOff val="-4202"/>
+            <a:hueOff val="-2252848"/>
+            <a:satOff val="-5806"/>
+            <a:lumOff val="-3922"/>
             <a:alphaOff val="0"/>
           </a:schemeClr>
         </a:solidFill>
@@ -3093,28 +3049,28 @@
         </a:p>
       </dsp:txBody>
       <dsp:txXfrm>
-        <a:off x="18259" y="2057923"/>
-        <a:ext cx="5421306" cy="337516"/>
+        <a:off x="17981" y="1910334"/>
+        <a:ext cx="6732095" cy="332385"/>
       </dsp:txXfrm>
     </dsp:sp>
-    <dsp:sp modelId="{113115EB-A218-444F-89FD-EC4E0D759E82}">
+    <dsp:sp modelId="{93C90D32-C198-49CC-BD31-E762BEFDABC9}">
       <dsp:nvSpPr>
         <dsp:cNvPr id="0" name=""/>
         <dsp:cNvSpPr/>
       </dsp:nvSpPr>
       <dsp:spPr>
         <a:xfrm>
-          <a:off x="0" y="2428098"/>
-          <a:ext cx="5457824" cy="374034"/>
+          <a:off x="0" y="2269911"/>
+          <a:ext cx="6768057" cy="368347"/>
         </a:xfrm>
         <a:prstGeom prst="roundRect">
           <a:avLst/>
         </a:prstGeom>
         <a:solidFill>
           <a:schemeClr val="accent5">
-            <a:hueOff val="-2896518"/>
-            <a:satOff val="-7465"/>
-            <a:lumOff val="-5042"/>
+            <a:hueOff val="-2703417"/>
+            <a:satOff val="-6968"/>
+            <a:lumOff val="-4706"/>
             <a:alphaOff val="0"/>
           </a:schemeClr>
         </a:solidFill>
@@ -3191,28 +3147,28 @@
         </a:p>
       </dsp:txBody>
       <dsp:txXfrm>
-        <a:off x="18259" y="2446357"/>
-        <a:ext cx="5421306" cy="337516"/>
+        <a:off x="17981" y="2287892"/>
+        <a:ext cx="6732095" cy="332385"/>
       </dsp:txXfrm>
     </dsp:sp>
-    <dsp:sp modelId="{3F7AA4BD-5BA9-4859-9E1B-F8A570717966}">
+    <dsp:sp modelId="{0BD2D07F-3D44-41BB-A4DC-0CC93AEEB21F}">
       <dsp:nvSpPr>
         <dsp:cNvPr id="0" name=""/>
         <dsp:cNvSpPr/>
       </dsp:nvSpPr>
       <dsp:spPr>
         <a:xfrm>
-          <a:off x="0" y="2816532"/>
-          <a:ext cx="5457824" cy="374034"/>
+          <a:off x="0" y="2647469"/>
+          <a:ext cx="6768057" cy="368347"/>
         </a:xfrm>
         <a:prstGeom prst="roundRect">
           <a:avLst/>
         </a:prstGeom>
         <a:solidFill>
           <a:schemeClr val="accent5">
-            <a:hueOff val="-3379271"/>
-            <a:satOff val="-8710"/>
-            <a:lumOff val="-5883"/>
+            <a:hueOff val="-3153987"/>
+            <a:satOff val="-8129"/>
+            <a:lumOff val="-5490"/>
             <a:alphaOff val="0"/>
           </a:schemeClr>
         </a:solidFill>
@@ -3263,7 +3219,7 @@
             <a:buNone/>
           </a:pPr>
           <a:r>
-            <a:rPr lang="en-US" sz="2400" kern="1200" dirty="0" err="1">
+            <a:rPr lang="en-US" sz="2400" kern="1200">
               <a:effectLst>
                 <a:outerShdw blurRad="38100" dist="38100" dir="2700000" algn="tl">
                   <a:srgbClr val="000000">
@@ -3272,10 +3228,10 @@
                 </a:outerShdw>
               </a:effectLst>
             </a:rPr>
-            <a:t>olivia</a:t>
+            <a:t>olivia ping </a:t>
           </a:r>
           <a:r>
-            <a:rPr lang="en-US" sz="2400" kern="1200" dirty="0">
+            <a:rPr lang="en-US" sz="2400" i="1" u="none" kern="1200">
               <a:effectLst>
                 <a:outerShdw blurRad="38100" dist="38100" dir="2700000" algn="tl">
                   <a:srgbClr val="000000">
@@ -3284,78 +3240,42 @@
                 </a:outerShdw>
               </a:effectLst>
             </a:rPr>
-            <a:t> ping </a:t>
+            <a:t>[ip address]</a:t>
           </a:r>
-          <a:r>
-            <a:rPr lang="en-US" sz="2400" i="1" u="none" kern="1200" dirty="0">
-              <a:solidFill>
-                <a:schemeClr val="tx1"/>
-              </a:solidFill>
-              <a:effectLst>
-                <a:outerShdw blurRad="38100" dist="38100" dir="2700000" algn="tl">
-                  <a:srgbClr val="000000">
-                    <a:alpha val="43137"/>
-                  </a:srgbClr>
-                </a:outerShdw>
-              </a:effectLst>
-            </a:rPr>
-            <a:t>[</a:t>
-          </a:r>
-          <a:r>
-            <a:rPr lang="en-US" sz="2400" i="1" u="none" kern="1200" dirty="0" err="1">
-              <a:solidFill>
-                <a:schemeClr val="tx1"/>
-              </a:solidFill>
-              <a:effectLst>
-                <a:outerShdw blurRad="38100" dist="38100" dir="2700000" algn="tl">
-                  <a:srgbClr val="000000">
-                    <a:alpha val="43137"/>
-                  </a:srgbClr>
-                </a:outerShdw>
-              </a:effectLst>
-            </a:rPr>
-            <a:t>ip</a:t>
-          </a:r>
-          <a:r>
-            <a:rPr lang="en-US" sz="2400" i="1" u="none" kern="1200" dirty="0">
-              <a:solidFill>
-                <a:schemeClr val="tx1"/>
-              </a:solidFill>
-              <a:effectLst>
-                <a:outerShdw blurRad="38100" dist="38100" dir="2700000" algn="tl">
-                  <a:srgbClr val="000000">
-                    <a:alpha val="43137"/>
-                  </a:srgbClr>
-                </a:outerShdw>
-              </a:effectLst>
-            </a:rPr>
-            <a:t> address]</a:t>
-          </a:r>
+          <a:endParaRPr lang="en-US" sz="2400" i="1" u="none" kern="1200" dirty="0">
+            <a:effectLst>
+              <a:outerShdw blurRad="38100" dist="38100" dir="2700000" algn="tl">
+                <a:srgbClr val="000000">
+                  <a:alpha val="43137"/>
+                </a:srgbClr>
+              </a:outerShdw>
+            </a:effectLst>
+          </a:endParaRPr>
         </a:p>
       </dsp:txBody>
       <dsp:txXfrm>
-        <a:off x="18259" y="2834791"/>
-        <a:ext cx="5421306" cy="337516"/>
+        <a:off x="17981" y="2665450"/>
+        <a:ext cx="6732095" cy="332385"/>
       </dsp:txXfrm>
     </dsp:sp>
-    <dsp:sp modelId="{FF6D061E-8CA5-4B29-B717-AB6F619EA33A}">
+    <dsp:sp modelId="{43C2363B-FC21-40B8-BB78-133F84A329AC}">
       <dsp:nvSpPr>
         <dsp:cNvPr id="0" name=""/>
         <dsp:cNvSpPr/>
       </dsp:nvSpPr>
       <dsp:spPr>
         <a:xfrm>
-          <a:off x="0" y="3204967"/>
-          <a:ext cx="5457824" cy="374034"/>
+          <a:off x="0" y="3025028"/>
+          <a:ext cx="6768057" cy="368347"/>
         </a:xfrm>
         <a:prstGeom prst="roundRect">
           <a:avLst/>
         </a:prstGeom>
         <a:solidFill>
           <a:schemeClr val="accent5">
-            <a:hueOff val="-3862025"/>
-            <a:satOff val="-9954"/>
-            <a:lumOff val="-6723"/>
+            <a:hueOff val="-3604556"/>
+            <a:satOff val="-9290"/>
+            <a:lumOff val="-6275"/>
             <a:alphaOff val="0"/>
           </a:schemeClr>
         </a:solidFill>
@@ -3406,10 +3326,7 @@
             <a:buNone/>
           </a:pPr>
           <a:r>
-            <a:rPr lang="en-US" sz="2400" i="0" u="none" kern="1200" dirty="0" err="1">
-              <a:solidFill>
-                <a:schemeClr val="tx1"/>
-              </a:solidFill>
+            <a:rPr lang="en-US" sz="2400" i="0" u="none" kern="1200">
               <a:effectLst>
                 <a:outerShdw blurRad="38100" dist="38100" dir="2700000" algn="tl">
                   <a:srgbClr val="000000">
@@ -3418,13 +3335,10 @@
                 </a:outerShdw>
               </a:effectLst>
             </a:rPr>
-            <a:t>olivia</a:t>
+            <a:t>olivia may data </a:t>
           </a:r>
           <a:r>
-            <a:rPr lang="en-US" sz="2400" i="0" u="none" kern="1200" dirty="0">
-              <a:solidFill>
-                <a:schemeClr val="tx1"/>
-              </a:solidFill>
+            <a:rPr lang="en-US" sz="2400" i="1" u="none" kern="1200">
               <a:effectLst>
                 <a:outerShdw blurRad="38100" dist="38100" dir="2700000" algn="tl">
                   <a:srgbClr val="000000">
@@ -3433,78 +3347,42 @@
                 </a:outerShdw>
               </a:effectLst>
             </a:rPr>
-            <a:t> may data </a:t>
+            <a:t>[sensor table_name]</a:t>
           </a:r>
-          <a:r>
-            <a:rPr lang="en-US" sz="2400" i="1" u="none" kern="1200" dirty="0">
-              <a:solidFill>
-                <a:schemeClr val="tx1"/>
-              </a:solidFill>
-              <a:effectLst>
-                <a:outerShdw blurRad="38100" dist="38100" dir="2700000" algn="tl">
-                  <a:srgbClr val="000000">
-                    <a:alpha val="43137"/>
-                  </a:srgbClr>
-                </a:outerShdw>
-              </a:effectLst>
-            </a:rPr>
-            <a:t>[sensor </a:t>
-          </a:r>
-          <a:r>
-            <a:rPr lang="en-US" sz="2400" i="1" u="none" kern="1200" dirty="0" err="1">
-              <a:solidFill>
-                <a:schemeClr val="tx1"/>
-              </a:solidFill>
-              <a:effectLst>
-                <a:outerShdw blurRad="38100" dist="38100" dir="2700000" algn="tl">
-                  <a:srgbClr val="000000">
-                    <a:alpha val="43137"/>
-                  </a:srgbClr>
-                </a:outerShdw>
-              </a:effectLst>
-            </a:rPr>
-            <a:t>table_name</a:t>
-          </a:r>
-          <a:r>
-            <a:rPr lang="en-US" sz="2400" i="1" u="none" kern="1200" dirty="0">
-              <a:solidFill>
-                <a:schemeClr val="tx1"/>
-              </a:solidFill>
-              <a:effectLst>
-                <a:outerShdw blurRad="38100" dist="38100" dir="2700000" algn="tl">
-                  <a:srgbClr val="000000">
-                    <a:alpha val="43137"/>
-                  </a:srgbClr>
-                </a:outerShdw>
-              </a:effectLst>
-            </a:rPr>
-            <a:t>]</a:t>
-          </a:r>
+          <a:endParaRPr lang="en-US" sz="2400" i="1" u="none" kern="1200" dirty="0">
+            <a:effectLst>
+              <a:outerShdw blurRad="38100" dist="38100" dir="2700000" algn="tl">
+                <a:srgbClr val="000000">
+                  <a:alpha val="43137"/>
+                </a:srgbClr>
+              </a:outerShdw>
+            </a:effectLst>
+          </a:endParaRPr>
         </a:p>
       </dsp:txBody>
       <dsp:txXfrm>
-        <a:off x="18259" y="3223226"/>
-        <a:ext cx="5421306" cy="337516"/>
+        <a:off x="17981" y="3043009"/>
+        <a:ext cx="6732095" cy="332385"/>
       </dsp:txXfrm>
     </dsp:sp>
-    <dsp:sp modelId="{855C8D91-1E45-4477-BB5F-DD1F1A2ED70C}">
+    <dsp:sp modelId="{E291534D-56D2-4ED3-A186-534C04E8E8E6}">
       <dsp:nvSpPr>
         <dsp:cNvPr id="0" name=""/>
         <dsp:cNvSpPr/>
       </dsp:nvSpPr>
       <dsp:spPr>
         <a:xfrm>
-          <a:off x="0" y="3593401"/>
-          <a:ext cx="5457824" cy="374034"/>
+          <a:off x="0" y="3402586"/>
+          <a:ext cx="6768057" cy="368347"/>
         </a:xfrm>
         <a:prstGeom prst="roundRect">
           <a:avLst/>
         </a:prstGeom>
         <a:solidFill>
           <a:schemeClr val="accent5">
-            <a:hueOff val="-4344777"/>
-            <a:satOff val="-11198"/>
-            <a:lumOff val="-7563"/>
+            <a:hueOff val="-4055126"/>
+            <a:satOff val="-10451"/>
+            <a:lumOff val="-7059"/>
             <a:alphaOff val="0"/>
           </a:schemeClr>
         </a:solidFill>
@@ -3555,10 +3433,7 @@
             <a:buNone/>
           </a:pPr>
           <a:r>
-            <a:rPr lang="en-US" sz="2400" i="0" u="none" kern="1200" dirty="0" err="1">
-              <a:solidFill>
-                <a:schemeClr val="tx1"/>
-              </a:solidFill>
+            <a:rPr lang="en-US" sz="2400" i="0" u="none" kern="1200">
               <a:effectLst>
                 <a:outerShdw blurRad="38100" dist="38100" dir="2700000" algn="tl">
                   <a:srgbClr val="000000">
@@ -3567,13 +3442,10 @@
                 </a:outerShdw>
               </a:effectLst>
             </a:rPr>
-            <a:t>olivia</a:t>
+            <a:t>olivia check site </a:t>
           </a:r>
           <a:r>
-            <a:rPr lang="en-US" sz="2400" i="0" u="none" kern="1200" dirty="0">
-              <a:solidFill>
-                <a:schemeClr val="tx1"/>
-              </a:solidFill>
+            <a:rPr lang="en-US" sz="2400" i="1" u="none" kern="1200">
               <a:effectLst>
                 <a:outerShdw blurRad="38100" dist="38100" dir="2700000" algn="tl">
                   <a:srgbClr val="000000">
@@ -3582,78 +3454,42 @@
                 </a:outerShdw>
               </a:effectLst>
             </a:rPr>
-            <a:t> check site </a:t>
+            <a:t>[site_code]</a:t>
           </a:r>
-          <a:r>
-            <a:rPr lang="en-US" sz="2400" i="1" u="none" kern="1200" dirty="0">
-              <a:solidFill>
-                <a:schemeClr val="tx1"/>
-              </a:solidFill>
-              <a:effectLst>
-                <a:outerShdw blurRad="38100" dist="38100" dir="2700000" algn="tl">
-                  <a:srgbClr val="000000">
-                    <a:alpha val="43137"/>
-                  </a:srgbClr>
-                </a:outerShdw>
-              </a:effectLst>
-            </a:rPr>
-            <a:t>[</a:t>
-          </a:r>
-          <a:r>
-            <a:rPr lang="en-US" sz="2400" i="1" u="none" kern="1200" dirty="0" err="1">
-              <a:solidFill>
-                <a:schemeClr val="tx1"/>
-              </a:solidFill>
-              <a:effectLst>
-                <a:outerShdw blurRad="38100" dist="38100" dir="2700000" algn="tl">
-                  <a:srgbClr val="000000">
-                    <a:alpha val="43137"/>
-                  </a:srgbClr>
-                </a:outerShdw>
-              </a:effectLst>
-            </a:rPr>
-            <a:t>site_code</a:t>
-          </a:r>
-          <a:r>
-            <a:rPr lang="en-US" sz="2400" i="1" u="none" kern="1200" dirty="0">
-              <a:solidFill>
-                <a:schemeClr val="tx1"/>
-              </a:solidFill>
-              <a:effectLst>
-                <a:outerShdw blurRad="38100" dist="38100" dir="2700000" algn="tl">
-                  <a:srgbClr val="000000">
-                    <a:alpha val="43137"/>
-                  </a:srgbClr>
-                </a:outerShdw>
-              </a:effectLst>
-            </a:rPr>
-            <a:t>]</a:t>
-          </a:r>
+          <a:endParaRPr lang="en-US" sz="2400" i="1" u="none" kern="1200" dirty="0">
+            <a:effectLst>
+              <a:outerShdw blurRad="38100" dist="38100" dir="2700000" algn="tl">
+                <a:srgbClr val="000000">
+                  <a:alpha val="43137"/>
+                </a:srgbClr>
+              </a:outerShdw>
+            </a:effectLst>
+          </a:endParaRPr>
         </a:p>
       </dsp:txBody>
       <dsp:txXfrm>
-        <a:off x="18259" y="3611660"/>
-        <a:ext cx="5421306" cy="337516"/>
+        <a:off x="17981" y="3420567"/>
+        <a:ext cx="6732095" cy="332385"/>
       </dsp:txXfrm>
     </dsp:sp>
-    <dsp:sp modelId="{533A8AE7-0A4B-4EA2-83C7-89D835BD9642}">
+    <dsp:sp modelId="{47703380-86BF-4C00-83F5-2C1E6A3EF0EE}">
       <dsp:nvSpPr>
         <dsp:cNvPr id="0" name=""/>
         <dsp:cNvSpPr/>
       </dsp:nvSpPr>
       <dsp:spPr>
         <a:xfrm>
-          <a:off x="0" y="3981835"/>
-          <a:ext cx="5457824" cy="374034"/>
+          <a:off x="0" y="3780145"/>
+          <a:ext cx="6768057" cy="368347"/>
         </a:xfrm>
         <a:prstGeom prst="roundRect">
           <a:avLst/>
         </a:prstGeom>
         <a:solidFill>
           <a:schemeClr val="accent5">
-            <a:hueOff val="-4827531"/>
-            <a:satOff val="-12442"/>
-            <a:lumOff val="-8404"/>
+            <a:hueOff val="-4505695"/>
+            <a:satOff val="-11613"/>
+            <a:lumOff val="-7843"/>
             <a:alphaOff val="0"/>
           </a:schemeClr>
         </a:solidFill>
@@ -3732,28 +3568,28 @@
         </a:p>
       </dsp:txBody>
       <dsp:txXfrm>
-        <a:off x="18259" y="4000094"/>
-        <a:ext cx="5421306" cy="337516"/>
+        <a:off x="17981" y="3798126"/>
+        <a:ext cx="6732095" cy="332385"/>
       </dsp:txXfrm>
     </dsp:sp>
-    <dsp:sp modelId="{B4B8190B-2891-42C7-8072-5DA26FF09F19}">
+    <dsp:sp modelId="{EAFD6C7D-B040-4394-A5D4-F83D540300E7}">
       <dsp:nvSpPr>
         <dsp:cNvPr id="0" name=""/>
         <dsp:cNvSpPr/>
       </dsp:nvSpPr>
       <dsp:spPr>
         <a:xfrm>
-          <a:off x="0" y="4370270"/>
-          <a:ext cx="5457824" cy="374034"/>
+          <a:off x="0" y="4157703"/>
+          <a:ext cx="6768057" cy="368347"/>
         </a:xfrm>
         <a:prstGeom prst="roundRect">
           <a:avLst/>
         </a:prstGeom>
         <a:solidFill>
           <a:schemeClr val="accent5">
-            <a:hueOff val="-5310283"/>
-            <a:satOff val="-13686"/>
-            <a:lumOff val="-9244"/>
+            <a:hueOff val="-4956265"/>
+            <a:satOff val="-12774"/>
+            <a:lumOff val="-8628"/>
             <a:alphaOff val="0"/>
           </a:schemeClr>
         </a:solidFill>
@@ -3832,28 +3668,28 @@
         </a:p>
       </dsp:txBody>
       <dsp:txXfrm>
-        <a:off x="18259" y="4388529"/>
-        <a:ext cx="5421306" cy="337516"/>
+        <a:off x="17981" y="4175684"/>
+        <a:ext cx="6732095" cy="332385"/>
       </dsp:txXfrm>
     </dsp:sp>
-    <dsp:sp modelId="{205BD01C-53D0-41DC-ACF7-3B8F0576E668}">
+    <dsp:sp modelId="{3BAEFDA0-4D53-411B-9104-9A2A104B8891}">
       <dsp:nvSpPr>
         <dsp:cNvPr id="0" name=""/>
         <dsp:cNvSpPr/>
       </dsp:nvSpPr>
       <dsp:spPr>
         <a:xfrm>
-          <a:off x="0" y="4758704"/>
-          <a:ext cx="5457824" cy="374034"/>
+          <a:off x="0" y="4535262"/>
+          <a:ext cx="6768057" cy="368347"/>
         </a:xfrm>
         <a:prstGeom prst="roundRect">
           <a:avLst/>
         </a:prstGeom>
         <a:solidFill>
           <a:schemeClr val="accent5">
-            <a:hueOff val="-5793037"/>
-            <a:satOff val="-14931"/>
-            <a:lumOff val="-10084"/>
+            <a:hueOff val="-5406834"/>
+            <a:satOff val="-13935"/>
+            <a:lumOff val="-9412"/>
             <a:alphaOff val="0"/>
           </a:schemeClr>
         </a:solidFill>
@@ -3932,28 +3768,28 @@
         </a:p>
       </dsp:txBody>
       <dsp:txXfrm>
-        <a:off x="18259" y="4776963"/>
-        <a:ext cx="5421306" cy="337516"/>
+        <a:off x="17981" y="4553243"/>
+        <a:ext cx="6732095" cy="332385"/>
       </dsp:txXfrm>
     </dsp:sp>
-    <dsp:sp modelId="{1EE854CF-9BE7-4CA5-A0B6-DC38B73F8D52}">
+    <dsp:sp modelId="{9C5561C9-DA0D-4319-B79D-14ECE8986902}">
       <dsp:nvSpPr>
         <dsp:cNvPr id="0" name=""/>
         <dsp:cNvSpPr/>
       </dsp:nvSpPr>
       <dsp:spPr>
         <a:xfrm>
-          <a:off x="0" y="5147139"/>
-          <a:ext cx="5457824" cy="374034"/>
+          <a:off x="0" y="4912820"/>
+          <a:ext cx="6768057" cy="368347"/>
         </a:xfrm>
         <a:prstGeom prst="roundRect">
           <a:avLst/>
         </a:prstGeom>
         <a:solidFill>
           <a:schemeClr val="accent5">
-            <a:hueOff val="-6275789"/>
-            <a:satOff val="-16175"/>
-            <a:lumOff val="-10925"/>
+            <a:hueOff val="-5857404"/>
+            <a:satOff val="-15096"/>
+            <a:lumOff val="-10196"/>
             <a:alphaOff val="0"/>
           </a:schemeClr>
         </a:solidFill>
@@ -4058,28 +3894,28 @@
         </a:p>
       </dsp:txBody>
       <dsp:txXfrm>
-        <a:off x="18259" y="5165398"/>
-        <a:ext cx="5421306" cy="337516"/>
+        <a:off x="17981" y="4930801"/>
+        <a:ext cx="6732095" cy="332385"/>
       </dsp:txXfrm>
     </dsp:sp>
-    <dsp:sp modelId="{386A165B-04E2-4447-BB61-CDA5F66D96E9}">
+    <dsp:sp modelId="{5B271C85-24E6-4F47-BD10-75A2BE9550F6}">
       <dsp:nvSpPr>
         <dsp:cNvPr id="0" name=""/>
         <dsp:cNvSpPr/>
       </dsp:nvSpPr>
       <dsp:spPr>
         <a:xfrm>
-          <a:off x="0" y="5535573"/>
-          <a:ext cx="5457824" cy="374034"/>
+          <a:off x="0" y="5290379"/>
+          <a:ext cx="6768057" cy="368347"/>
         </a:xfrm>
         <a:prstGeom prst="roundRect">
           <a:avLst/>
         </a:prstGeom>
         <a:solidFill>
           <a:schemeClr val="accent5">
-            <a:hueOff val="-6758543"/>
-            <a:satOff val="-17419"/>
-            <a:lumOff val="-11765"/>
+            <a:hueOff val="-6307973"/>
+            <a:satOff val="-16258"/>
+            <a:lumOff val="-10981"/>
             <a:alphaOff val="0"/>
           </a:schemeClr>
         </a:solidFill>
@@ -4184,8 +4020,108 @@
         </a:p>
       </dsp:txBody>
       <dsp:txXfrm>
-        <a:off x="18259" y="5553832"/>
-        <a:ext cx="5421306" cy="337516"/>
+        <a:off x="17981" y="5308360"/>
+        <a:ext cx="6732095" cy="332385"/>
+      </dsp:txXfrm>
+    </dsp:sp>
+    <dsp:sp modelId="{C4170D98-EC85-4FFC-B72A-B48CC829CA79}">
+      <dsp:nvSpPr>
+        <dsp:cNvPr id="0" name=""/>
+        <dsp:cNvSpPr/>
+      </dsp:nvSpPr>
+      <dsp:spPr>
+        <a:xfrm>
+          <a:off x="0" y="5667937"/>
+          <a:ext cx="6768057" cy="368347"/>
+        </a:xfrm>
+        <a:prstGeom prst="roundRect">
+          <a:avLst/>
+        </a:prstGeom>
+        <a:solidFill>
+          <a:schemeClr val="accent5">
+            <a:hueOff val="-6758543"/>
+            <a:satOff val="-17419"/>
+            <a:lumOff val="-11765"/>
+            <a:alphaOff val="0"/>
+          </a:schemeClr>
+        </a:solidFill>
+        <a:ln w="12700" cap="flat" cmpd="sng" algn="ctr">
+          <a:solidFill>
+            <a:schemeClr val="lt1">
+              <a:hueOff val="0"/>
+              <a:satOff val="0"/>
+              <a:lumOff val="0"/>
+              <a:alphaOff val="0"/>
+            </a:schemeClr>
+          </a:solidFill>
+          <a:prstDash val="solid"/>
+          <a:miter lim="800000"/>
+        </a:ln>
+        <a:effectLst/>
+      </dsp:spPr>
+      <dsp:style>
+        <a:lnRef idx="2">
+          <a:scrgbClr r="0" g="0" b="0"/>
+        </a:lnRef>
+        <a:fillRef idx="1">
+          <a:scrgbClr r="0" g="0" b="0"/>
+        </a:fillRef>
+        <a:effectRef idx="0">
+          <a:scrgbClr r="0" g="0" b="0"/>
+        </a:effectRef>
+        <a:fontRef idx="minor">
+          <a:schemeClr val="lt1"/>
+        </a:fontRef>
+      </dsp:style>
+      <dsp:txBody>
+        <a:bodyPr spcFirstLastPara="0" vert="horz" wrap="square" lIns="91440" tIns="91440" rIns="91440" bIns="91440" numCol="1" spcCol="1270" anchor="ctr" anchorCtr="0">
+          <a:noAutofit/>
+        </a:bodyPr>
+        <a:lstStyle/>
+        <a:p>
+          <a:pPr marL="0" lvl="0" indent="0" algn="l" defTabSz="1066800" rtl="0">
+            <a:lnSpc>
+              <a:spcPct val="90000"/>
+            </a:lnSpc>
+            <a:spcBef>
+              <a:spcPct val="0"/>
+            </a:spcBef>
+            <a:spcAft>
+              <a:spcPct val="35000"/>
+            </a:spcAft>
+            <a:buNone/>
+          </a:pPr>
+          <a:r>
+            <a:rPr lang="en-US" sz="2400" i="0" u="none" kern="1200" dirty="0" err="1">
+              <a:effectLst>
+                <a:outerShdw blurRad="38100" dist="38100" dir="2700000" algn="tl">
+                  <a:srgbClr val="000000">
+                    <a:alpha val="43137"/>
+                  </a:srgbClr>
+                </a:outerShdw>
+              </a:effectLst>
+              <a:latin typeface="+mn-lt"/>
+            </a:rPr>
+            <a:t>olivia</a:t>
+          </a:r>
+          <a:r>
+            <a:rPr lang="en-US" sz="2400" i="0" u="none" kern="1200" dirty="0">
+              <a:effectLst>
+                <a:outerShdw blurRad="38100" dist="38100" dir="2700000" algn="tl">
+                  <a:srgbClr val="000000">
+                    <a:alpha val="43137"/>
+                  </a:srgbClr>
+                </a:outerShdw>
+              </a:effectLst>
+              <a:latin typeface="+mn-lt"/>
+            </a:rPr>
+            <a:t> ops checker</a:t>
+          </a:r>
+        </a:p>
+      </dsp:txBody>
+      <dsp:txXfrm>
+        <a:off x="17981" y="5685918"/>
+        <a:ext cx="6732095" cy="332385"/>
       </dsp:txXfrm>
     </dsp:sp>
   </dsp:spTree>
@@ -5524,7 +5460,7 @@
           <a:p>
             <a:fld id="{ACD1130F-EC56-4997-931C-BCD7591359EB}" type="datetimeFigureOut">
               <a:rPr lang="en-US" smtClean="0"/>
-              <a:t>10/7/2021</a:t>
+              <a:t>12/15/2021</a:t>
             </a:fld>
             <a:endParaRPr lang="en-US"/>
           </a:p>
@@ -5694,7 +5630,7 @@
           <a:p>
             <a:fld id="{ACD1130F-EC56-4997-931C-BCD7591359EB}" type="datetimeFigureOut">
               <a:rPr lang="en-US" smtClean="0"/>
-              <a:t>10/7/2021</a:t>
+              <a:t>12/15/2021</a:t>
             </a:fld>
             <a:endParaRPr lang="en-US"/>
           </a:p>
@@ -5874,7 +5810,7 @@
           <a:p>
             <a:fld id="{ACD1130F-EC56-4997-931C-BCD7591359EB}" type="datetimeFigureOut">
               <a:rPr lang="en-US" smtClean="0"/>
-              <a:t>10/7/2021</a:t>
+              <a:t>12/15/2021</a:t>
             </a:fld>
             <a:endParaRPr lang="en-US"/>
           </a:p>
@@ -6044,7 +5980,7 @@
           <a:p>
             <a:fld id="{ACD1130F-EC56-4997-931C-BCD7591359EB}" type="datetimeFigureOut">
               <a:rPr lang="en-US" smtClean="0"/>
-              <a:t>10/7/2021</a:t>
+              <a:t>12/15/2021</a:t>
             </a:fld>
             <a:endParaRPr lang="en-US"/>
           </a:p>
@@ -6290,7 +6226,7 @@
           <a:p>
             <a:fld id="{ACD1130F-EC56-4997-931C-BCD7591359EB}" type="datetimeFigureOut">
               <a:rPr lang="en-US" smtClean="0"/>
-              <a:t>10/7/2021</a:t>
+              <a:t>12/15/2021</a:t>
             </a:fld>
             <a:endParaRPr lang="en-US"/>
           </a:p>
@@ -6522,7 +6458,7 @@
           <a:p>
             <a:fld id="{ACD1130F-EC56-4997-931C-BCD7591359EB}" type="datetimeFigureOut">
               <a:rPr lang="en-US" smtClean="0"/>
-              <a:t>10/7/2021</a:t>
+              <a:t>12/15/2021</a:t>
             </a:fld>
             <a:endParaRPr lang="en-US"/>
           </a:p>
@@ -6889,7 +6825,7 @@
           <a:p>
             <a:fld id="{ACD1130F-EC56-4997-931C-BCD7591359EB}" type="datetimeFigureOut">
               <a:rPr lang="en-US" smtClean="0"/>
-              <a:t>10/7/2021</a:t>
+              <a:t>12/15/2021</a:t>
             </a:fld>
             <a:endParaRPr lang="en-US"/>
           </a:p>
@@ -7007,7 +6943,7 @@
           <a:p>
             <a:fld id="{ACD1130F-EC56-4997-931C-BCD7591359EB}" type="datetimeFigureOut">
               <a:rPr lang="en-US" smtClean="0"/>
-              <a:t>10/7/2021</a:t>
+              <a:t>12/15/2021</a:t>
             </a:fld>
             <a:endParaRPr lang="en-US"/>
           </a:p>
@@ -7102,7 +7038,7 @@
           <a:p>
             <a:fld id="{ACD1130F-EC56-4997-931C-BCD7591359EB}" type="datetimeFigureOut">
               <a:rPr lang="en-US" smtClean="0"/>
-              <a:t>10/7/2021</a:t>
+              <a:t>12/15/2021</a:t>
             </a:fld>
             <a:endParaRPr lang="en-US"/>
           </a:p>
@@ -7379,7 +7315,7 @@
           <a:p>
             <a:fld id="{ACD1130F-EC56-4997-931C-BCD7591359EB}" type="datetimeFigureOut">
               <a:rPr lang="en-US" smtClean="0"/>
-              <a:t>10/7/2021</a:t>
+              <a:t>12/15/2021</a:t>
             </a:fld>
             <a:endParaRPr lang="en-US"/>
           </a:p>
@@ -7636,7 +7572,7 @@
           <a:p>
             <a:fld id="{ACD1130F-EC56-4997-931C-BCD7591359EB}" type="datetimeFigureOut">
               <a:rPr lang="en-US" smtClean="0"/>
-              <a:t>10/7/2021</a:t>
+              <a:t>12/15/2021</a:t>
             </a:fld>
             <a:endParaRPr lang="en-US"/>
           </a:p>
@@ -7849,7 +7785,7 @@
           <a:p>
             <a:fld id="{ACD1130F-EC56-4997-931C-BCD7591359EB}" type="datetimeFigureOut">
               <a:rPr lang="en-US" smtClean="0"/>
-              <a:t>10/7/2021</a:t>
+              <a:t>12/15/2021</a:t>
             </a:fld>
             <a:endParaRPr lang="en-US"/>
           </a:p>
@@ -8669,14 +8605,14 @@
             <p:ph idx="1"/>
             <p:extLst>
               <p:ext uri="{D42A27DB-BD31-4B8C-83A1-F6EECF244321}">
-                <p14:modId xmlns:p14="http://schemas.microsoft.com/office/powerpoint/2010/main" val="1558998611"/>
+                <p14:modId xmlns:p14="http://schemas.microsoft.com/office/powerpoint/2010/main" val="4013040545"/>
               </p:ext>
             </p:extLst>
           </p:nvPr>
         </p:nvGraphicFramePr>
         <p:xfrm>
-          <a:off x="6091238" y="495300"/>
-          <a:ext cx="5457825" cy="6007100"/>
+          <a:off x="4780475" y="408576"/>
+          <a:ext cx="6768057" cy="6040846"/>
         </p:xfrm>
         <a:graphic>
           <a:graphicData uri="http://schemas.openxmlformats.org/drawingml/2006/diagram">
